--- a/Documentation/project_slide.pptx
+++ b/Documentation/project_slide.pptx
@@ -10,10 +10,11 @@
     <p:sldId id="262" r:id="rId7"/>
     <p:sldId id="264" r:id="rId8"/>
     <p:sldId id="265" r:id="rId9"/>
-    <p:sldId id="267" r:id="rId10"/>
-    <p:sldId id="268" r:id="rId11"/>
-    <p:sldId id="271" r:id="rId12"/>
-    <p:sldId id="261" r:id="rId13"/>
+    <p:sldId id="272" r:id="rId10"/>
+    <p:sldId id="267" r:id="rId11"/>
+    <p:sldId id="268" r:id="rId12"/>
+    <p:sldId id="271" r:id="rId13"/>
+    <p:sldId id="261" r:id="rId14"/>
   </p:sldIdLst>
   <p:sldSz cx="12192000" cy="6858000"/>
   <p:notesSz cx="6858000" cy="9144000"/>
@@ -13827,6 +13828,146 @@
 </p:sld>
 </file>
 
+<file path=ppt/slides/slide10.xml><?xml version="1.0" encoding="utf-8"?>
+<p:sld xmlns:a="http://schemas.openxmlformats.org/drawingml/2006/main" xmlns:r="http://schemas.openxmlformats.org/officeDocument/2006/relationships" xmlns:p="http://schemas.openxmlformats.org/presentationml/2006/main">
+  <p:cSld>
+    <p:spTree>
+      <p:nvGrpSpPr>
+        <p:cNvPr id="1" name=""/>
+        <p:cNvGrpSpPr/>
+        <p:nvPr/>
+      </p:nvGrpSpPr>
+      <p:grpSpPr>
+        <a:xfrm>
+          <a:off x="0" y="0"/>
+          <a:ext cx="0" cy="0"/>
+          <a:chOff x="0" y="0"/>
+          <a:chExt cx="0" cy="0"/>
+        </a:xfrm>
+      </p:grpSpPr>
+      <p:sp>
+        <p:nvSpPr>
+          <p:cNvPr id="2" name="Título 1"/>
+          <p:cNvSpPr>
+            <a:spLocks noGrp="1"/>
+          </p:cNvSpPr>
+          <p:nvPr>
+            <p:ph type="title"/>
+          </p:nvPr>
+        </p:nvSpPr>
+        <p:spPr/>
+        <p:txBody>
+          <a:bodyPr/>
+          <a:lstStyle/>
+          <a:p>
+            <a:r>
+              <a:rPr lang="es-ES" dirty="0" smtClean="0"/>
+              <a:t>Safety Network</a:t>
+            </a:r>
+            <a:endParaRPr lang="es-ES" dirty="0"/>
+          </a:p>
+        </p:txBody>
+      </p:sp>
+      <p:sp>
+        <p:nvSpPr>
+          <p:cNvPr id="3" name="Marcador de contenido 2"/>
+          <p:cNvSpPr>
+            <a:spLocks noGrp="1"/>
+          </p:cNvSpPr>
+          <p:nvPr>
+            <p:ph idx="1"/>
+          </p:nvPr>
+        </p:nvSpPr>
+        <p:spPr/>
+        <p:txBody>
+          <a:bodyPr/>
+          <a:lstStyle/>
+          <a:p>
+            <a:r>
+              <a:rPr lang="en-US" sz="3200" dirty="0" smtClean="0"/>
+              <a:t>Resources:</a:t>
+            </a:r>
+          </a:p>
+          <a:p>
+            <a:pPr lvl="1"/>
+            <a:r>
+              <a:rPr lang="en-US" dirty="0" smtClean="0"/>
+              <a:t>Our page on </a:t>
+            </a:r>
+            <a:r>
+              <a:rPr lang="en-US" dirty="0" err="1" smtClean="0"/>
+              <a:t>spaceapps</a:t>
+            </a:r>
+            <a:r>
+              <a:rPr lang="en-US" dirty="0" smtClean="0"/>
+              <a:t>:</a:t>
+            </a:r>
+          </a:p>
+          <a:p>
+            <a:pPr lvl="2"/>
+            <a:r>
+              <a:rPr lang="es-ES" dirty="0">
+                <a:hlinkClick r:id="rId2"/>
+              </a:rPr>
+              <a:t>https://2019.spaceappschallenge.org/challenges/living-our-world/curious-minds-come-helping-hands/teams/auto</a:t>
+            </a:r>
+            <a:r>
+              <a:rPr lang="es-ES" dirty="0" smtClean="0">
+                <a:hlinkClick r:id="rId2"/>
+              </a:rPr>
+              <a:t>/</a:t>
+            </a:r>
+            <a:endParaRPr lang="es-ES" dirty="0" smtClean="0"/>
+          </a:p>
+          <a:p>
+            <a:pPr lvl="1"/>
+            <a:endParaRPr lang="es-ES" dirty="0" smtClean="0"/>
+          </a:p>
+          <a:p>
+            <a:pPr lvl="1"/>
+            <a:r>
+              <a:rPr lang="en-US" dirty="0" smtClean="0"/>
+              <a:t>Our code repository:</a:t>
+            </a:r>
+          </a:p>
+          <a:p>
+            <a:pPr lvl="2"/>
+            <a:r>
+              <a:rPr lang="es-ES" dirty="0" smtClean="0">
+                <a:hlinkClick r:id="rId3"/>
+              </a:rPr>
+              <a:t>https</a:t>
+            </a:r>
+            <a:r>
+              <a:rPr lang="es-ES" dirty="0">
+                <a:hlinkClick r:id="rId3"/>
+              </a:rPr>
+              <a:t>://github.com/javieraviles/spaceappschallenge</a:t>
+            </a:r>
+            <a:endParaRPr lang="en-US" dirty="0"/>
+          </a:p>
+        </p:txBody>
+      </p:sp>
+    </p:spTree>
+    <p:extLst>
+      <p:ext uri="{BB962C8B-B14F-4D97-AF65-F5344CB8AC3E}">
+        <p14:creationId xmlns:p14="http://schemas.microsoft.com/office/powerpoint/2010/main" val="1963932928"/>
+      </p:ext>
+    </p:extLst>
+  </p:cSld>
+  <p:clrMapOvr>
+    <a:masterClrMapping/>
+  </p:clrMapOvr>
+  <p:timing>
+    <p:tnLst>
+      <p:par>
+        <p:cTn id="1" dur="indefinite" restart="never" nodeType="tmRoot"/>
+      </p:par>
+    </p:tnLst>
+  </p:timing>
+</p:sld>
+</file>
+
 <file path=ppt/slides/slide2.xml><?xml version="1.0" encoding="utf-8"?>
 <p:sld xmlns:a="http://schemas.openxmlformats.org/drawingml/2006/main" xmlns:r="http://schemas.openxmlformats.org/officeDocument/2006/relationships" xmlns:p="http://schemas.openxmlformats.org/presentationml/2006/main">
   <p:cSld>
@@ -13905,17 +14046,12 @@
               <a:rPr lang="en-US" sz="2200" dirty="0" smtClean="0"/>
               <a:t>:</a:t>
             </a:r>
-            <a:endParaRPr lang="en-US" sz="2200" dirty="0" smtClean="0"/>
           </a:p>
           <a:p>
             <a:pPr lvl="1"/>
             <a:r>
               <a:rPr lang="en-US" sz="2200" dirty="0" smtClean="0"/>
-              <a:t>From Curious Minds Come Helping </a:t>
-            </a:r>
-            <a:r>
-              <a:rPr lang="en-US" sz="2200" dirty="0" smtClean="0"/>
-              <a:t>Hands</a:t>
+              <a:t>From Curious Minds Come Helping Hands</a:t>
             </a:r>
             <a:br>
               <a:rPr lang="en-US" sz="2200" dirty="0" smtClean="0"/>
@@ -14813,11 +14949,7 @@
           <a:p>
             <a:r>
               <a:rPr lang="es-ES" dirty="0" smtClean="0"/>
-              <a:t>Safety </a:t>
-            </a:r>
-            <a:r>
-              <a:rPr lang="es-ES" dirty="0" smtClean="0"/>
-              <a:t>Network: información de usuarios</a:t>
+              <a:t>Safety Network: información de usuarios</a:t>
             </a:r>
             <a:endParaRPr lang="es-ES" dirty="0"/>
           </a:p>
@@ -15847,11 +15979,7 @@
           <a:p>
             <a:r>
               <a:rPr lang="es-ES" dirty="0" smtClean="0"/>
-              <a:t>Safety </a:t>
-            </a:r>
-            <a:r>
-              <a:rPr lang="es-ES" dirty="0" smtClean="0"/>
-              <a:t>Network: información de usuarios</a:t>
+              <a:t>Safety Network: información de usuarios</a:t>
             </a:r>
             <a:endParaRPr lang="es-ES" dirty="0"/>
           </a:p>
@@ -17061,11 +17189,7 @@
           <a:p>
             <a:r>
               <a:rPr lang="es-ES" dirty="0" smtClean="0"/>
-              <a:t>Safety Network: </a:t>
-            </a:r>
-            <a:r>
-              <a:rPr lang="es-ES" dirty="0" smtClean="0"/>
-              <a:t>ejemplo de propagación</a:t>
+              <a:t>Safety Network: ejemplo de propagación</a:t>
             </a:r>
             <a:endParaRPr lang="es-ES" dirty="0"/>
           </a:p>
@@ -17773,6 +17897,176 @@
       </p:grpSpPr>
       <p:sp>
         <p:nvSpPr>
+          <p:cNvPr id="2" name="Title 1"/>
+          <p:cNvSpPr>
+            <a:spLocks noGrp="1"/>
+          </p:cNvSpPr>
+          <p:nvPr>
+            <p:ph type="title"/>
+          </p:nvPr>
+        </p:nvSpPr>
+        <p:spPr/>
+        <p:txBody>
+          <a:bodyPr/>
+          <a:lstStyle/>
+          <a:p>
+            <a:r>
+              <a:rPr lang="es-ES" dirty="0"/>
+              <a:t>Safety Network: </a:t>
+            </a:r>
+            <a:r>
+              <a:rPr lang="es-ES" dirty="0" smtClean="0"/>
+              <a:t>aplicación móvil</a:t>
+            </a:r>
+            <a:endParaRPr lang="de-DE" dirty="0"/>
+          </a:p>
+        </p:txBody>
+      </p:sp>
+      <p:pic>
+        <p:nvPicPr>
+          <p:cNvPr id="4" name="Content Placeholder 3"/>
+          <p:cNvPicPr>
+            <a:picLocks noGrp="1" noChangeAspect="1"/>
+          </p:cNvPicPr>
+          <p:nvPr>
+            <p:ph idx="1"/>
+          </p:nvPr>
+        </p:nvPicPr>
+        <p:blipFill>
+          <a:blip r:embed="rId2">
+            <a:extLst>
+              <a:ext uri="{28A0092B-C50C-407E-A947-70E740481C1C}">
+                <a14:useLocalDpi xmlns:a14="http://schemas.microsoft.com/office/drawing/2010/main" val="0"/>
+              </a:ext>
+            </a:extLst>
+          </a:blip>
+          <a:stretch>
+            <a:fillRect/>
+          </a:stretch>
+        </p:blipFill>
+        <p:spPr>
+          <a:xfrm>
+            <a:off x="3200113" y="1792224"/>
+            <a:ext cx="2708769" cy="4910328"/>
+          </a:xfrm>
+        </p:spPr>
+      </p:pic>
+      <p:pic>
+        <p:nvPicPr>
+          <p:cNvPr id="5" name="Picture 4"/>
+          <p:cNvPicPr>
+            <a:picLocks noChangeAspect="1"/>
+          </p:cNvPicPr>
+          <p:nvPr/>
+        </p:nvPicPr>
+        <p:blipFill>
+          <a:blip r:embed="rId3">
+            <a:extLst>
+              <a:ext uri="{28A0092B-C50C-407E-A947-70E740481C1C}">
+                <a14:useLocalDpi xmlns:a14="http://schemas.microsoft.com/office/drawing/2010/main" val="0"/>
+              </a:ext>
+            </a:extLst>
+          </a:blip>
+          <a:stretch>
+            <a:fillRect/>
+          </a:stretch>
+        </p:blipFill>
+        <p:spPr>
+          <a:xfrm>
+            <a:off x="9302583" y="1792224"/>
+            <a:ext cx="2716341" cy="4910328"/>
+          </a:xfrm>
+          <a:prstGeom prst="rect">
+            <a:avLst/>
+          </a:prstGeom>
+        </p:spPr>
+      </p:pic>
+      <p:pic>
+        <p:nvPicPr>
+          <p:cNvPr id="6" name="Picture 5"/>
+          <p:cNvPicPr>
+            <a:picLocks noChangeAspect="1"/>
+          </p:cNvPicPr>
+          <p:nvPr/>
+        </p:nvPicPr>
+        <p:blipFill>
+          <a:blip r:embed="rId4">
+            <a:extLst>
+              <a:ext uri="{28A0092B-C50C-407E-A947-70E740481C1C}">
+                <a14:useLocalDpi xmlns:a14="http://schemas.microsoft.com/office/drawing/2010/main" val="0"/>
+              </a:ext>
+            </a:extLst>
+          </a:blip>
+          <a:stretch>
+            <a:fillRect/>
+          </a:stretch>
+        </p:blipFill>
+        <p:spPr>
+          <a:xfrm>
+            <a:off x="177543" y="1792224"/>
+            <a:ext cx="2658095" cy="4930671"/>
+          </a:xfrm>
+          <a:prstGeom prst="rect">
+            <a:avLst/>
+          </a:prstGeom>
+        </p:spPr>
+      </p:pic>
+      <p:pic>
+        <p:nvPicPr>
+          <p:cNvPr id="7" name="Picture 6"/>
+          <p:cNvPicPr>
+            <a:picLocks noChangeAspect="1"/>
+          </p:cNvPicPr>
+          <p:nvPr/>
+        </p:nvPicPr>
+        <p:blipFill>
+          <a:blip r:embed="rId5"/>
+          <a:stretch>
+            <a:fillRect/>
+          </a:stretch>
+        </p:blipFill>
+        <p:spPr>
+          <a:xfrm>
+            <a:off x="6273357" y="1792224"/>
+            <a:ext cx="2664751" cy="4930671"/>
+          </a:xfrm>
+          <a:prstGeom prst="rect">
+            <a:avLst/>
+          </a:prstGeom>
+        </p:spPr>
+      </p:pic>
+    </p:spTree>
+    <p:extLst>
+      <p:ext uri="{BB962C8B-B14F-4D97-AF65-F5344CB8AC3E}">
+        <p14:creationId xmlns:p14="http://schemas.microsoft.com/office/powerpoint/2010/main" val="2870872568"/>
+      </p:ext>
+    </p:extLst>
+  </p:cSld>
+  <p:clrMapOvr>
+    <a:masterClrMapping/>
+  </p:clrMapOvr>
+</p:sld>
+</file>
+
+<file path=ppt/slides/slide7.xml><?xml version="1.0" encoding="utf-8"?>
+<p:sld xmlns:a="http://schemas.openxmlformats.org/drawingml/2006/main" xmlns:r="http://schemas.openxmlformats.org/officeDocument/2006/relationships" xmlns:p="http://schemas.openxmlformats.org/presentationml/2006/main">
+  <p:cSld>
+    <p:spTree>
+      <p:nvGrpSpPr>
+        <p:cNvPr id="1" name=""/>
+        <p:cNvGrpSpPr/>
+        <p:nvPr/>
+      </p:nvGrpSpPr>
+      <p:grpSpPr>
+        <a:xfrm>
+          <a:off x="0" y="0"/>
+          <a:ext cx="0" cy="0"/>
+          <a:chOff x="0" y="0"/>
+          <a:chExt cx="0" cy="0"/>
+        </a:xfrm>
+      </p:grpSpPr>
+      <p:sp>
+        <p:nvSpPr>
           <p:cNvPr id="26" name="Flecha arriba 12"/>
           <p:cNvSpPr/>
           <p:nvPr/>
@@ -18001,11 +18295,7 @@
             <a:pPr algn="ctr"/>
             <a:r>
               <a:rPr lang="es-ES" dirty="0" smtClean="0"/>
-              <a:t>Safety Network: </a:t>
-            </a:r>
-            <a:r>
-              <a:rPr lang="es-ES" dirty="0" smtClean="0"/>
-              <a:t>información desde servicios de emergencia</a:t>
+              <a:t>Safety Network: información desde servicios de emergencia</a:t>
             </a:r>
             <a:endParaRPr lang="es-ES" dirty="0"/>
           </a:p>
@@ -18888,7 +19178,7 @@
 </p:sld>
 </file>
 
-<file path=ppt/slides/slide7.xml><?xml version="1.0" encoding="utf-8"?>
+<file path=ppt/slides/slide8.xml><?xml version="1.0" encoding="utf-8"?>
 <p:sld xmlns:a="http://schemas.openxmlformats.org/drawingml/2006/main" xmlns:r="http://schemas.openxmlformats.org/officeDocument/2006/relationships" xmlns:p="http://schemas.openxmlformats.org/presentationml/2006/main">
   <p:cSld>
     <p:spTree>
@@ -19086,11 +19376,7 @@
           <a:p>
             <a:r>
               <a:rPr lang="es-ES" dirty="0" smtClean="0"/>
-              <a:t>Safety Network: </a:t>
-            </a:r>
-            <a:r>
-              <a:rPr lang="es-ES" dirty="0" smtClean="0"/>
-              <a:t>red neuronal</a:t>
+              <a:t>Safety Network: red neuronal</a:t>
             </a:r>
             <a:endParaRPr lang="es-ES" dirty="0"/>
           </a:p>
@@ -19962,7 +20248,7 @@
 </p:sld>
 </file>
 
-<file path=ppt/slides/slide8.xml><?xml version="1.0" encoding="utf-8"?>
+<file path=ppt/slides/slide9.xml><?xml version="1.0" encoding="utf-8"?>
 <p:sld xmlns:a="http://schemas.openxmlformats.org/drawingml/2006/main" xmlns:r="http://schemas.openxmlformats.org/officeDocument/2006/relationships" xmlns:p="http://schemas.openxmlformats.org/presentationml/2006/main">
   <p:cSld>
     <p:spTree>
@@ -20001,11 +20287,7 @@
           <a:p>
             <a:r>
               <a:rPr lang="es-ES" dirty="0" smtClean="0"/>
-              <a:t>Safety Network: </a:t>
-            </a:r>
-            <a:r>
-              <a:rPr lang="es-ES" dirty="0" smtClean="0"/>
-              <a:t>API servicios</a:t>
+              <a:t>Safety Network: API servicios</a:t>
             </a:r>
             <a:endParaRPr lang="es-ES" dirty="0"/>
           </a:p>
@@ -20030,7 +20312,6 @@
               <a:rPr lang="es-ES" dirty="0" smtClean="0"/>
               <a:t>El sistema también cuenta con rutas para lectura/escritura de alertas para integrarlo con cualquier otro sistema:</a:t>
             </a:r>
-            <a:endParaRPr lang="es-ES" dirty="0" smtClean="0"/>
           </a:p>
           <a:p>
             <a:pPr lvl="1"/>
@@ -20060,146 +20341,6 @@
     <p:extLst>
       <p:ext uri="{BB962C8B-B14F-4D97-AF65-F5344CB8AC3E}">
         <p14:creationId xmlns:p14="http://schemas.microsoft.com/office/powerpoint/2010/main" val="3568879274"/>
-      </p:ext>
-    </p:extLst>
-  </p:cSld>
-  <p:clrMapOvr>
-    <a:masterClrMapping/>
-  </p:clrMapOvr>
-  <p:timing>
-    <p:tnLst>
-      <p:par>
-        <p:cTn id="1" dur="indefinite" restart="never" nodeType="tmRoot"/>
-      </p:par>
-    </p:tnLst>
-  </p:timing>
-</p:sld>
-</file>
-
-<file path=ppt/slides/slide9.xml><?xml version="1.0" encoding="utf-8"?>
-<p:sld xmlns:a="http://schemas.openxmlformats.org/drawingml/2006/main" xmlns:r="http://schemas.openxmlformats.org/officeDocument/2006/relationships" xmlns:p="http://schemas.openxmlformats.org/presentationml/2006/main">
-  <p:cSld>
-    <p:spTree>
-      <p:nvGrpSpPr>
-        <p:cNvPr id="1" name=""/>
-        <p:cNvGrpSpPr/>
-        <p:nvPr/>
-      </p:nvGrpSpPr>
-      <p:grpSpPr>
-        <a:xfrm>
-          <a:off x="0" y="0"/>
-          <a:ext cx="0" cy="0"/>
-          <a:chOff x="0" y="0"/>
-          <a:chExt cx="0" cy="0"/>
-        </a:xfrm>
-      </p:grpSpPr>
-      <p:sp>
-        <p:nvSpPr>
-          <p:cNvPr id="2" name="Título 1"/>
-          <p:cNvSpPr>
-            <a:spLocks noGrp="1"/>
-          </p:cNvSpPr>
-          <p:nvPr>
-            <p:ph type="title"/>
-          </p:nvPr>
-        </p:nvSpPr>
-        <p:spPr/>
-        <p:txBody>
-          <a:bodyPr/>
-          <a:lstStyle/>
-          <a:p>
-            <a:r>
-              <a:rPr lang="es-ES" dirty="0" smtClean="0"/>
-              <a:t>Safety Network</a:t>
-            </a:r>
-            <a:endParaRPr lang="es-ES" dirty="0"/>
-          </a:p>
-        </p:txBody>
-      </p:sp>
-      <p:sp>
-        <p:nvSpPr>
-          <p:cNvPr id="3" name="Marcador de contenido 2"/>
-          <p:cNvSpPr>
-            <a:spLocks noGrp="1"/>
-          </p:cNvSpPr>
-          <p:nvPr>
-            <p:ph idx="1"/>
-          </p:nvPr>
-        </p:nvSpPr>
-        <p:spPr/>
-        <p:txBody>
-          <a:bodyPr/>
-          <a:lstStyle/>
-          <a:p>
-            <a:r>
-              <a:rPr lang="en-US" sz="3200" dirty="0" smtClean="0"/>
-              <a:t>Resources:</a:t>
-            </a:r>
-          </a:p>
-          <a:p>
-            <a:pPr lvl="1"/>
-            <a:r>
-              <a:rPr lang="en-US" dirty="0" smtClean="0"/>
-              <a:t>Our page on </a:t>
-            </a:r>
-            <a:r>
-              <a:rPr lang="en-US" dirty="0" err="1" smtClean="0"/>
-              <a:t>spaceapps</a:t>
-            </a:r>
-            <a:r>
-              <a:rPr lang="en-US" dirty="0" smtClean="0"/>
-              <a:t>:</a:t>
-            </a:r>
-          </a:p>
-          <a:p>
-            <a:pPr lvl="2"/>
-            <a:r>
-              <a:rPr lang="es-ES" dirty="0">
-                <a:hlinkClick r:id="rId2"/>
-              </a:rPr>
-              <a:t>https://2019.spaceappschallenge.org/challenges/living-our-world/curious-minds-come-helping-hands/teams/auto</a:t>
-            </a:r>
-            <a:r>
-              <a:rPr lang="es-ES" dirty="0" smtClean="0">
-                <a:hlinkClick r:id="rId2"/>
-              </a:rPr>
-              <a:t>/</a:t>
-            </a:r>
-            <a:endParaRPr lang="es-ES" dirty="0" smtClean="0"/>
-          </a:p>
-          <a:p>
-            <a:pPr lvl="1"/>
-            <a:endParaRPr lang="es-ES" dirty="0" smtClean="0"/>
-          </a:p>
-          <a:p>
-            <a:pPr lvl="1"/>
-            <a:r>
-              <a:rPr lang="en-US" dirty="0" smtClean="0"/>
-              <a:t>Our code repository:</a:t>
-            </a:r>
-          </a:p>
-          <a:p>
-            <a:pPr lvl="2"/>
-            <a:r>
-              <a:rPr lang="es-ES" dirty="0" smtClean="0">
-                <a:hlinkClick r:id="rId3"/>
-              </a:rPr>
-              <a:t>https</a:t>
-            </a:r>
-            <a:r>
-              <a:rPr lang="es-ES" dirty="0">
-                <a:hlinkClick r:id="rId3"/>
-              </a:rPr>
-              <a:t>://github.com/javieraviles/spaceappschallenge</a:t>
-            </a:r>
-            <a:endParaRPr lang="en-US" dirty="0"/>
-          </a:p>
-        </p:txBody>
-      </p:sp>
-    </p:spTree>
-    <p:extLst>
-      <p:ext uri="{BB962C8B-B14F-4D97-AF65-F5344CB8AC3E}">
-        <p14:creationId xmlns:p14="http://schemas.microsoft.com/office/powerpoint/2010/main" val="1963932928"/>
       </p:ext>
     </p:extLst>
   </p:cSld>
@@ -20482,21 +20623,6 @@
 </file>
 
 <file path=customXml/item1.xml><?xml version="1.0" encoding="utf-8"?>
-<?mso-contentType ?>
-<FormTemplates xmlns="http://schemas.microsoft.com/sharepoint/v3/contenttype/forms">
-  <Display>DocumentLibraryForm</Display>
-  <Edit>DocumentLibraryForm</Edit>
-  <New>DocumentLibraryForm</New>
-</FormTemplates>
-</file>
-
-<file path=customXml/item2.xml><?xml version="1.0" encoding="utf-8"?>
-<p:properties xmlns:p="http://schemas.microsoft.com/office/2006/metadata/properties" xmlns:xsi="http://www.w3.org/2001/XMLSchema-instance" xmlns:pc="http://schemas.microsoft.com/office/infopath/2007/PartnerControls">
-  <documentManagement/>
-</p:properties>
-</file>
-
-<file path=customXml/item3.xml><?xml version="1.0" encoding="utf-8"?>
 <ct:contentTypeSchema xmlns:ct="http://schemas.microsoft.com/office/2006/metadata/contentType" xmlns:ma="http://schemas.microsoft.com/office/2006/metadata/properties/metaAttributes" ct:_="" ma:_="" ma:contentTypeName="Documento" ma:contentTypeID="0x010100E3FD2FFA77482745B6FBB0D12C664289" ma:contentTypeVersion="2" ma:contentTypeDescription="Crear nuevo documento." ma:contentTypeScope="" ma:versionID="230209e1f19c8dabcbde64a66cd42759">
   <xsd:schema xmlns:xsd="http://www.w3.org/2001/XMLSchema" xmlns:xs="http://www.w3.org/2001/XMLSchema" xmlns:p="http://schemas.microsoft.com/office/2006/metadata/properties" xmlns:ns2="0e23858f-3dcf-44e3-9897-9cfaf4025768" targetNamespace="http://schemas.microsoft.com/office/2006/metadata/properties" ma:root="true" ma:fieldsID="42966af423c5044f6c0d5a97827c01c9" ns2:_="">
     <xsd:import namespace="0e23858f-3dcf-44e3-9897-9cfaf4025768"/>
@@ -20628,10 +20754,35 @@
 </ct:contentTypeSchema>
 </file>
 
+<file path=customXml/item2.xml><?xml version="1.0" encoding="utf-8"?>
+<p:properties xmlns:p="http://schemas.microsoft.com/office/2006/metadata/properties" xmlns:xsi="http://www.w3.org/2001/XMLSchema-instance" xmlns:pc="http://schemas.microsoft.com/office/infopath/2007/PartnerControls">
+  <documentManagement/>
+</p:properties>
+</file>
+
+<file path=customXml/item3.xml><?xml version="1.0" encoding="utf-8"?>
+<?mso-contentType ?>
+<FormTemplates xmlns="http://schemas.microsoft.com/sharepoint/v3/contenttype/forms">
+  <Display>DocumentLibraryForm</Display>
+  <Edit>DocumentLibraryForm</Edit>
+  <New>DocumentLibraryForm</New>
+</FormTemplates>
+</file>
+
 <file path=customXml/itemProps1.xml><?xml version="1.0" encoding="utf-8"?>
-<ds:datastoreItem xmlns:ds="http://schemas.openxmlformats.org/officeDocument/2006/customXml" ds:itemID="{AFA05530-0BA0-4DF2-8D28-826EE07CF1E1}">
+<ds:datastoreItem xmlns:ds="http://schemas.openxmlformats.org/officeDocument/2006/customXml" ds:itemID="{1F0583A3-A68A-45E6-9C61-04A6E758B3D3}">
   <ds:schemaRefs>
-    <ds:schemaRef ds:uri="http://schemas.microsoft.com/sharepoint/v3/contenttype/forms"/>
+    <ds:schemaRef ds:uri="http://schemas.microsoft.com/office/2006/metadata/contentType"/>
+    <ds:schemaRef ds:uri="http://schemas.microsoft.com/office/2006/metadata/properties/metaAttributes"/>
+    <ds:schemaRef ds:uri="http://www.w3.org/2001/XMLSchema"/>
+    <ds:schemaRef ds:uri="http://schemas.microsoft.com/office/2006/metadata/properties"/>
+    <ds:schemaRef ds:uri="0e23858f-3dcf-44e3-9897-9cfaf4025768"/>
+    <ds:schemaRef ds:uri="http://schemas.microsoft.com/office/2006/documentManagement/types"/>
+    <ds:schemaRef ds:uri="http://schemas.microsoft.com/office/infopath/2007/PartnerControls"/>
+    <ds:schemaRef ds:uri="http://schemas.openxmlformats.org/package/2006/metadata/core-properties"/>
+    <ds:schemaRef ds:uri="http://purl.org/dc/elements/1.1/"/>
+    <ds:schemaRef ds:uri="http://purl.org/dc/terms/"/>
+    <ds:schemaRef ds:uri="http://schemas.microsoft.com/internal/obd"/>
   </ds:schemaRefs>
 </ds:datastoreItem>
 </file>
@@ -20653,19 +20804,9 @@
 </file>
 
 <file path=customXml/itemProps3.xml><?xml version="1.0" encoding="utf-8"?>
-<ds:datastoreItem xmlns:ds="http://schemas.openxmlformats.org/officeDocument/2006/customXml" ds:itemID="{1F0583A3-A68A-45E6-9C61-04A6E758B3D3}">
+<ds:datastoreItem xmlns:ds="http://schemas.openxmlformats.org/officeDocument/2006/customXml" ds:itemID="{AFA05530-0BA0-4DF2-8D28-826EE07CF1E1}">
   <ds:schemaRefs>
-    <ds:schemaRef ds:uri="http://schemas.microsoft.com/office/2006/metadata/contentType"/>
-    <ds:schemaRef ds:uri="http://schemas.microsoft.com/office/2006/metadata/properties/metaAttributes"/>
-    <ds:schemaRef ds:uri="http://www.w3.org/2001/XMLSchema"/>
-    <ds:schemaRef ds:uri="http://schemas.microsoft.com/office/2006/metadata/properties"/>
-    <ds:schemaRef ds:uri="0e23858f-3dcf-44e3-9897-9cfaf4025768"/>
-    <ds:schemaRef ds:uri="http://schemas.microsoft.com/office/2006/documentManagement/types"/>
-    <ds:schemaRef ds:uri="http://schemas.microsoft.com/office/infopath/2007/PartnerControls"/>
-    <ds:schemaRef ds:uri="http://schemas.openxmlformats.org/package/2006/metadata/core-properties"/>
-    <ds:schemaRef ds:uri="http://purl.org/dc/elements/1.1/"/>
-    <ds:schemaRef ds:uri="http://purl.org/dc/terms/"/>
-    <ds:schemaRef ds:uri="http://schemas.microsoft.com/internal/obd"/>
+    <ds:schemaRef ds:uri="http://schemas.microsoft.com/sharepoint/v3/contenttype/forms"/>
   </ds:schemaRefs>
 </ds:datastoreItem>
 </file>
--- a/Documentation/project_slide.pptx
+++ b/Documentation/project_slide.pptx
@@ -13808,6 +13808,65 @@
           </a:p>
         </p:txBody>
       </p:sp>
+      <p:pic>
+        <p:nvPicPr>
+          <p:cNvPr id="5" name="Picture 4"/>
+          <p:cNvPicPr>
+            <a:picLocks noChangeAspect="1"/>
+          </p:cNvPicPr>
+          <p:nvPr/>
+        </p:nvPicPr>
+        <p:blipFill rotWithShape="1">
+          <a:blip r:embed="rId2">
+            <a:extLst>
+              <a:ext uri="{28A0092B-C50C-407E-A947-70E740481C1C}">
+                <a14:useLocalDpi xmlns:a14="http://schemas.microsoft.com/office/drawing/2010/main" val="0"/>
+              </a:ext>
+            </a:extLst>
+          </a:blip>
+          <a:srcRect l="22708" t="15392" r="20489" b="18173"/>
+          <a:stretch/>
+        </p:blipFill>
+        <p:spPr>
+          <a:xfrm>
+            <a:off x="8759952" y="4023360"/>
+            <a:ext cx="2615184" cy="2039112"/>
+          </a:xfrm>
+          <a:prstGeom prst="rect">
+            <a:avLst/>
+          </a:prstGeom>
+        </p:spPr>
+      </p:pic>
+      <p:pic>
+        <p:nvPicPr>
+          <p:cNvPr id="6" name="Picture 5"/>
+          <p:cNvPicPr>
+            <a:picLocks noChangeAspect="1"/>
+          </p:cNvPicPr>
+          <p:nvPr/>
+        </p:nvPicPr>
+        <p:blipFill>
+          <a:blip r:embed="rId3">
+            <a:extLst>
+              <a:ext uri="{28A0092B-C50C-407E-A947-70E740481C1C}">
+                <a14:useLocalDpi xmlns:a14="http://schemas.microsoft.com/office/drawing/2010/main" val="0"/>
+              </a:ext>
+            </a:extLst>
+          </a:blip>
+          <a:stretch>
+            <a:fillRect/>
+          </a:stretch>
+        </p:blipFill>
+        <p:spPr>
+          <a:xfrm>
+            <a:off x="8865042" y="1238314"/>
+            <a:ext cx="2523749" cy="2538989"/>
+          </a:xfrm>
+          <a:prstGeom prst="rect">
+            <a:avLst/>
+          </a:prstGeom>
+        </p:spPr>
+      </p:pic>
     </p:spTree>
     <p:extLst>
       <p:ext uri="{BB962C8B-B14F-4D97-AF65-F5344CB8AC3E}">
@@ -13896,7 +13955,11 @@
             </a:r>
             <a:r>
               <a:rPr lang="en-US" dirty="0" err="1" smtClean="0"/>
-              <a:t>spaceapps</a:t>
+              <a:t>S</a:t>
+            </a:r>
+            <a:r>
+              <a:rPr lang="en-US" dirty="0" err="1" smtClean="0"/>
+              <a:t>paceApps</a:t>
             </a:r>
             <a:r>
               <a:rPr lang="en-US" dirty="0" smtClean="0"/>
@@ -14031,7 +14094,7 @@
           <a:lstStyle/>
           <a:p>
             <a:r>
-              <a:rPr lang="en-US" sz="2200" dirty="0" err="1" smtClean="0"/>
+              <a:rPr lang="en-US" sz="2200" b="1" dirty="0" err="1" smtClean="0"/>
               <a:t>Reto</a:t>
             </a:r>
             <a:r>
@@ -14051,7 +14114,15 @@
             <a:pPr lvl="1"/>
             <a:r>
               <a:rPr lang="en-US" sz="2200" dirty="0" smtClean="0"/>
-              <a:t>From Curious Minds Come Helping Hands</a:t>
+              <a:t>From Curious Minds Come Helping </a:t>
+            </a:r>
+            <a:r>
+              <a:rPr lang="en-US" sz="2200" dirty="0" smtClean="0"/>
+              <a:t>Hands</a:t>
+            </a:r>
+            <a:r>
+              <a:rPr lang="en-US" sz="2200" dirty="0" smtClean="0"/>
+              <a:t/>
             </a:r>
             <a:br>
               <a:rPr lang="en-US" sz="2200" dirty="0" smtClean="0"/>
@@ -14064,7 +14135,7 @@
               <a:t>El </a:t>
             </a:r>
             <a:r>
-              <a:rPr lang="en-US" sz="2200" dirty="0" err="1" smtClean="0"/>
+              <a:rPr lang="en-US" sz="2200" b="1" dirty="0" err="1" smtClean="0"/>
               <a:t>problema</a:t>
             </a:r>
             <a:r>
@@ -14092,7 +14163,7 @@
             <a:pPr lvl="1"/>
             <a:r>
               <a:rPr lang="en-US" sz="2200" dirty="0" err="1" smtClean="0"/>
-              <a:t>Necesidad</a:t>
+              <a:t>Falta</a:t>
             </a:r>
             <a:r>
               <a:rPr lang="en-US" sz="2200" dirty="0" smtClean="0"/>
@@ -14100,31 +14171,7 @@
             </a:r>
             <a:r>
               <a:rPr lang="en-US" sz="2200" dirty="0" err="1" smtClean="0"/>
-              <a:t>una</a:t>
-            </a:r>
-            <a:r>
-              <a:rPr lang="en-US" sz="2200" dirty="0" smtClean="0"/>
-              <a:t> </a:t>
-            </a:r>
-            <a:r>
-              <a:rPr lang="en-US" sz="2200" dirty="0" err="1" smtClean="0"/>
-              <a:t>respuesta</a:t>
-            </a:r>
-            <a:r>
-              <a:rPr lang="en-US" sz="2200" dirty="0" smtClean="0"/>
-              <a:t> </a:t>
-            </a:r>
-            <a:r>
-              <a:rPr lang="en-US" sz="2200" dirty="0" err="1" smtClean="0"/>
-              <a:t>más</a:t>
-            </a:r>
-            <a:r>
-              <a:rPr lang="en-US" sz="2200" dirty="0" smtClean="0"/>
-              <a:t> </a:t>
-            </a:r>
-            <a:r>
-              <a:rPr lang="en-US" sz="2200" dirty="0" err="1" smtClean="0"/>
-              <a:t>inmediata</a:t>
+              <a:t>información</a:t>
             </a:r>
             <a:r>
               <a:rPr lang="en-US" sz="2200" dirty="0" smtClean="0"/>
@@ -14132,7 +14179,19 @@
             </a:r>
             <a:r>
               <a:rPr lang="en-US" sz="2200" dirty="0" err="1" smtClean="0"/>
-              <a:t>emergencias</a:t>
+              <a:t>situaciones</a:t>
+            </a:r>
+            <a:r>
+              <a:rPr lang="en-US" sz="2200" dirty="0" smtClean="0"/>
+              <a:t> de </a:t>
+            </a:r>
+            <a:r>
+              <a:rPr lang="en-US" sz="2200" dirty="0" err="1" smtClean="0"/>
+              <a:t>emergencia</a:t>
+            </a:r>
+            <a:r>
+              <a:rPr lang="en-US" sz="2200" dirty="0" smtClean="0"/>
+              <a:t>.</a:t>
             </a:r>
             <a:r>
               <a:rPr lang="en-US" sz="2200" dirty="0" smtClean="0"/>
@@ -14153,13 +14212,14 @@
               <a:t> </a:t>
             </a:r>
             <a:r>
-              <a:rPr lang="en-US" sz="2200" dirty="0" err="1"/>
-              <a:t>propuesta</a:t>
+              <a:rPr lang="en-US" sz="2200" b="1" dirty="0" err="1" smtClean="0"/>
+              <a:t>solución</a:t>
             </a:r>
             <a:r>
-              <a:rPr lang="en-US" sz="2200" dirty="0"/>
+              <a:rPr lang="en-US" sz="2200" dirty="0" smtClean="0"/>
               <a:t>:</a:t>
             </a:r>
+            <a:endParaRPr lang="en-US" sz="2200" dirty="0"/>
           </a:p>
           <a:p>
             <a:pPr lvl="1"/>
@@ -14213,19 +14273,27 @@
             </a:r>
             <a:r>
               <a:rPr lang="en-US" sz="2200" dirty="0" smtClean="0"/>
-              <a:t>real a personas y zonas </a:t>
+              <a:t>real a personas </a:t>
             </a:r>
             <a:r>
               <a:rPr lang="en-US" sz="2200" dirty="0" err="1" smtClean="0"/>
-              <a:t>en</a:t>
+              <a:t>afectadas</a:t>
             </a:r>
             <a:r>
               <a:rPr lang="en-US" sz="2200" dirty="0" smtClean="0"/>
-              <a:t> </a:t>
+              <a:t> y </a:t>
+            </a:r>
+            <a:r>
+              <a:rPr lang="en-US" sz="2200" dirty="0" smtClean="0"/>
+              <a:t>zonas </a:t>
+            </a:r>
+            <a:r>
+              <a:rPr lang="en-US" sz="2200" dirty="0" smtClean="0"/>
+              <a:t>de </a:t>
             </a:r>
             <a:r>
               <a:rPr lang="en-US" sz="2200" dirty="0" err="1" smtClean="0"/>
-              <a:t>peligro</a:t>
+              <a:t>riesgo</a:t>
             </a:r>
             <a:r>
               <a:rPr lang="en-US" sz="2200" dirty="0" smtClean="0"/>
@@ -16403,7 +16471,7 @@
                             </p:stCondLst>
                             <p:childTnLst>
                               <p:par>
-                                <p:cTn id="5" presetID="14" presetClass="entr" presetSubtype="10" fill="hold" grpId="0" nodeType="clickEffect">
+                                <p:cTn id="5" presetID="1" presetClass="entr" presetSubtype="0" fill="hold" grpId="1" nodeType="clickEffect">
                                   <p:stCondLst>
                                     <p:cond delay="0"/>
                                   </p:stCondLst>
@@ -16411,59 +16479,6 @@
                                     <p:set>
                                       <p:cBhvr>
                                         <p:cTn id="6" dur="1" fill="hold">
-                                          <p:stCondLst>
-                                            <p:cond delay="0"/>
-                                          </p:stCondLst>
-                                        </p:cTn>
-                                        <p:tgtEl>
-                                          <p:spTgt spid="22"/>
-                                        </p:tgtEl>
-                                        <p:attrNameLst>
-                                          <p:attrName>style.visibility</p:attrName>
-                                        </p:attrNameLst>
-                                      </p:cBhvr>
-                                      <p:to>
-                                        <p:strVal val="visible"/>
-                                      </p:to>
-                                    </p:set>
-                                    <p:animEffect transition="in" filter="randombar(horizontal)">
-                                      <p:cBhvr>
-                                        <p:cTn id="7" dur="2250"/>
-                                        <p:tgtEl>
-                                          <p:spTgt spid="22"/>
-                                        </p:tgtEl>
-                                      </p:cBhvr>
-                                    </p:animEffect>
-                                  </p:childTnLst>
-                                </p:cTn>
-                              </p:par>
-                            </p:childTnLst>
-                          </p:cTn>
-                        </p:par>
-                      </p:childTnLst>
-                    </p:cTn>
-                  </p:par>
-                  <p:par>
-                    <p:cTn id="8" fill="hold">
-                      <p:stCondLst>
-                        <p:cond delay="indefinite"/>
-                      </p:stCondLst>
-                      <p:childTnLst>
-                        <p:par>
-                          <p:cTn id="9" fill="hold">
-                            <p:stCondLst>
-                              <p:cond delay="0"/>
-                            </p:stCondLst>
-                            <p:childTnLst>
-                              <p:par>
-                                <p:cTn id="10" presetID="1" presetClass="entr" presetSubtype="0" fill="hold" grpId="1" nodeType="clickEffect">
-                                  <p:stCondLst>
-                                    <p:cond delay="0"/>
-                                  </p:stCondLst>
-                                  <p:childTnLst>
-                                    <p:set>
-                                      <p:cBhvr>
-                                        <p:cTn id="11" dur="1" fill="hold">
                                           <p:stCondLst>
                                             <p:cond delay="0"/>
                                           </p:stCondLst>
@@ -16489,26 +16504,26 @@
                     </p:cTn>
                   </p:par>
                   <p:par>
-                    <p:cTn id="12" fill="hold">
+                    <p:cTn id="7" fill="hold">
                       <p:stCondLst>
                         <p:cond delay="indefinite"/>
                       </p:stCondLst>
                       <p:childTnLst>
                         <p:par>
-                          <p:cTn id="13" fill="hold">
+                          <p:cTn id="8" fill="hold">
                             <p:stCondLst>
                               <p:cond delay="0"/>
                             </p:stCondLst>
                             <p:childTnLst>
                               <p:par>
-                                <p:cTn id="14" presetID="64" presetClass="path" presetSubtype="0" accel="50000" decel="50000" fill="hold" grpId="0" nodeType="clickEffect">
+                                <p:cTn id="9" presetID="64" presetClass="path" presetSubtype="0" accel="50000" decel="50000" fill="hold" grpId="0" nodeType="clickEffect">
                                   <p:stCondLst>
                                     <p:cond delay="0"/>
                                   </p:stCondLst>
                                   <p:childTnLst>
                                     <p:animMotion origin="layout" path="M 0 0 L 0 -0.25 E" pathEditMode="relative" ptsTypes="">
                                       <p:cBhvr>
-                                        <p:cTn id="15" dur="2000" fill="hold"/>
+                                        <p:cTn id="10" dur="2000" fill="hold"/>
                                         <p:tgtEl>
                                           <p:spTgt spid="24"/>
                                         </p:tgtEl>
@@ -16528,26 +16543,26 @@
                     </p:cTn>
                   </p:par>
                   <p:par>
-                    <p:cTn id="16" fill="hold">
+                    <p:cTn id="11" fill="hold">
                       <p:stCondLst>
                         <p:cond delay="indefinite"/>
                       </p:stCondLst>
                       <p:childTnLst>
                         <p:par>
-                          <p:cTn id="17" fill="hold">
+                          <p:cTn id="12" fill="hold">
                             <p:stCondLst>
                               <p:cond delay="0"/>
                             </p:stCondLst>
                             <p:childTnLst>
                               <p:par>
-                                <p:cTn id="18" presetID="42" presetClass="path" presetSubtype="0" accel="50000" decel="50000" fill="hold" grpId="0" nodeType="clickEffect">
+                                <p:cTn id="13" presetID="42" presetClass="path" presetSubtype="0" accel="50000" decel="50000" fill="hold" grpId="0" nodeType="clickEffect">
                                   <p:stCondLst>
                                     <p:cond delay="0"/>
                                   </p:stCondLst>
                                   <p:childTnLst>
                                     <p:animMotion origin="layout" path="M 4.58333E-6 -1.11111E-6 L 4.58333E-6 0.25 " pathEditMode="relative" rAng="0" ptsTypes="AA">
                                       <p:cBhvr>
-                                        <p:cTn id="19" dur="2000" fill="hold"/>
+                                        <p:cTn id="14" dur="2000" fill="hold"/>
                                         <p:tgtEl>
                                           <p:spTgt spid="17"/>
                                         </p:tgtEl>
@@ -16565,7 +16580,7 @@
                                         <p:cTn dur="1" fill="hold" display="0" masterRel="sameClick" afterEffect="1">
                                           <p:stCondLst>
                                             <p:cond evt="end" delay="0">
-                                              <p:tn val="18"/>
+                                              <p:tn val="13"/>
                                             </p:cond>
                                           </p:stCondLst>
                                         </p:cTn>
@@ -16584,14 +16599,14 @@
                                 </p:cTn>
                               </p:par>
                               <p:par>
-                                <p:cTn id="20" presetID="42" presetClass="path" presetSubtype="0" accel="50000" decel="50000" fill="hold" grpId="0" nodeType="withEffect">
+                                <p:cTn id="15" presetID="42" presetClass="path" presetSubtype="0" accel="50000" decel="50000" fill="hold" grpId="0" nodeType="withEffect">
                                   <p:stCondLst>
                                     <p:cond delay="0"/>
                                   </p:stCondLst>
                                   <p:childTnLst>
                                     <p:animMotion origin="layout" path="M -1.66667E-6 3.7037E-6 L -1.66667E-6 0.25 " pathEditMode="relative" rAng="0" ptsTypes="AA">
                                       <p:cBhvr>
-                                        <p:cTn id="21" dur="2000" fill="hold"/>
+                                        <p:cTn id="16" dur="2000" fill="hold"/>
                                         <p:tgtEl>
                                           <p:spTgt spid="23"/>
                                         </p:tgtEl>
@@ -16609,7 +16624,7 @@
                                         <p:cTn dur="1" fill="hold" display="0" masterRel="sameClick" afterEffect="1">
                                           <p:stCondLst>
                                             <p:cond evt="end" delay="0">
-                                              <p:tn val="20"/>
+                                              <p:tn val="15"/>
                                             </p:cond>
                                           </p:stCondLst>
                                         </p:cTn>
@@ -16634,26 +16649,26 @@
                     </p:cTn>
                   </p:par>
                   <p:par>
-                    <p:cTn id="22" fill="hold">
+                    <p:cTn id="17" fill="hold">
                       <p:stCondLst>
                         <p:cond delay="indefinite"/>
                       </p:stCondLst>
                       <p:childTnLst>
                         <p:par>
-                          <p:cTn id="23" fill="hold">
+                          <p:cTn id="18" fill="hold">
                             <p:stCondLst>
                               <p:cond delay="0"/>
                             </p:stCondLst>
                             <p:childTnLst>
                               <p:par>
-                                <p:cTn id="24" presetID="42" presetClass="entr" presetSubtype="0" fill="hold" grpId="0" nodeType="clickEffect">
+                                <p:cTn id="19" presetID="42" presetClass="entr" presetSubtype="0" fill="hold" grpId="0" nodeType="clickEffect">
                                   <p:stCondLst>
                                     <p:cond delay="0"/>
                                   </p:stCondLst>
                                   <p:childTnLst>
                                     <p:set>
                                       <p:cBhvr>
-                                        <p:cTn id="25" dur="1" fill="hold">
+                                        <p:cTn id="20" dur="1" fill="hold">
                                           <p:stCondLst>
                                             <p:cond delay="0"/>
                                           </p:stCondLst>
@@ -16671,7 +16686,7 @@
                                     </p:set>
                                     <p:animEffect transition="in" filter="fade">
                                       <p:cBhvr>
-                                        <p:cTn id="26" dur="1000"/>
+                                        <p:cTn id="21" dur="1000"/>
                                         <p:tgtEl>
                                           <p:spTgt spid="25"/>
                                         </p:tgtEl>
@@ -16679,7 +16694,7 @@
                                     </p:animEffect>
                                     <p:anim calcmode="lin" valueType="num">
                                       <p:cBhvr>
-                                        <p:cTn id="27" dur="1000" fill="hold"/>
+                                        <p:cTn id="22" dur="1000" fill="hold"/>
                                         <p:tgtEl>
                                           <p:spTgt spid="25"/>
                                         </p:tgtEl>
@@ -16702,7 +16717,7 @@
                                     </p:anim>
                                     <p:anim calcmode="lin" valueType="num">
                                       <p:cBhvr>
-                                        <p:cTn id="28" dur="1000" fill="hold"/>
+                                        <p:cTn id="23" dur="1000" fill="hold"/>
                                         <p:tgtEl>
                                           <p:spTgt spid="25"/>
                                         </p:tgtEl>
@@ -16727,14 +16742,14 @@
                                 </p:cTn>
                               </p:par>
                               <p:par>
-                                <p:cTn id="29" presetID="42" presetClass="entr" presetSubtype="0" fill="hold" grpId="0" nodeType="withEffect">
+                                <p:cTn id="24" presetID="42" presetClass="entr" presetSubtype="0" fill="hold" grpId="0" nodeType="withEffect">
                                   <p:stCondLst>
                                     <p:cond delay="0"/>
                                   </p:stCondLst>
                                   <p:childTnLst>
                                     <p:set>
                                       <p:cBhvr>
-                                        <p:cTn id="30" dur="1" fill="hold">
+                                        <p:cTn id="25" dur="1" fill="hold">
                                           <p:stCondLst>
                                             <p:cond delay="0"/>
                                           </p:stCondLst>
@@ -16752,7 +16767,7 @@
                                     </p:set>
                                     <p:animEffect transition="in" filter="fade">
                                       <p:cBhvr>
-                                        <p:cTn id="31" dur="1000"/>
+                                        <p:cTn id="26" dur="1000"/>
                                         <p:tgtEl>
                                           <p:spTgt spid="26"/>
                                         </p:tgtEl>
@@ -16760,7 +16775,7 @@
                                     </p:animEffect>
                                     <p:anim calcmode="lin" valueType="num">
                                       <p:cBhvr>
-                                        <p:cTn id="32" dur="1000" fill="hold"/>
+                                        <p:cTn id="27" dur="1000" fill="hold"/>
                                         <p:tgtEl>
                                           <p:spTgt spid="26"/>
                                         </p:tgtEl>
@@ -16783,7 +16798,7 @@
                                     </p:anim>
                                     <p:anim calcmode="lin" valueType="num">
                                       <p:cBhvr>
-                                        <p:cTn id="33" dur="1000" fill="hold"/>
+                                        <p:cTn id="28" dur="1000" fill="hold"/>
                                         <p:tgtEl>
                                           <p:spTgt spid="26"/>
                                         </p:tgtEl>
@@ -16804,59 +16819,6 @@
                                         </p:tav>
                                       </p:tavLst>
                                     </p:anim>
-                                  </p:childTnLst>
-                                </p:cTn>
-                              </p:par>
-                            </p:childTnLst>
-                          </p:cTn>
-                        </p:par>
-                      </p:childTnLst>
-                    </p:cTn>
-                  </p:par>
-                  <p:par>
-                    <p:cTn id="34" fill="hold">
-                      <p:stCondLst>
-                        <p:cond delay="indefinite"/>
-                      </p:stCondLst>
-                      <p:childTnLst>
-                        <p:par>
-                          <p:cTn id="35" fill="hold">
-                            <p:stCondLst>
-                              <p:cond delay="0"/>
-                            </p:stCondLst>
-                            <p:childTnLst>
-                              <p:par>
-                                <p:cTn id="36" presetID="22" presetClass="entr" presetSubtype="4" fill="hold" grpId="0" nodeType="clickEffect">
-                                  <p:stCondLst>
-                                    <p:cond delay="500"/>
-                                  </p:stCondLst>
-                                  <p:childTnLst>
-                                    <p:set>
-                                      <p:cBhvr>
-                                        <p:cTn id="37" dur="1" fill="hold">
-                                          <p:stCondLst>
-                                            <p:cond delay="0"/>
-                                          </p:stCondLst>
-                                        </p:cTn>
-                                        <p:tgtEl>
-                                          <p:spTgt spid="27"/>
-                                        </p:tgtEl>
-                                        <p:attrNameLst>
-                                          <p:attrName>style.visibility</p:attrName>
-                                        </p:attrNameLst>
-                                      </p:cBhvr>
-                                      <p:to>
-                                        <p:strVal val="visible"/>
-                                      </p:to>
-                                    </p:set>
-                                    <p:animEffect transition="in" filter="wipe(down)">
-                                      <p:cBhvr>
-                                        <p:cTn id="38" dur="500"/>
-                                        <p:tgtEl>
-                                          <p:spTgt spid="27"/>
-                                        </p:tgtEl>
-                                      </p:cBhvr>
-                                    </p:animEffect>
                                   </p:childTnLst>
                                 </p:cTn>
                               </p:par>
@@ -16888,12 +16850,10 @@
       </p:par>
     </p:tnLst>
     <p:bldLst>
-      <p:bldP spid="27" grpId="0" animBg="1"/>
       <p:bldP spid="24" grpId="0" animBg="1"/>
       <p:bldP spid="24" grpId="1" animBg="1"/>
       <p:bldP spid="17" grpId="0" animBg="1"/>
       <p:bldP spid="23" grpId="0" animBg="1"/>
-      <p:bldP spid="22" grpId="0" animBg="1"/>
       <p:bldP spid="25" grpId="0" animBg="1"/>
       <p:bldP spid="26" grpId="0" animBg="1"/>
     </p:bldLst>
@@ -18045,6 +18005,13 @@
   <p:clrMapOvr>
     <a:masterClrMapping/>
   </p:clrMapOvr>
+  <p:timing>
+    <p:tnLst>
+      <p:par>
+        <p:cTn id="1" dur="indefinite" restart="never" nodeType="tmRoot"/>
+      </p:par>
+    </p:tnLst>
+  </p:timing>
 </p:sld>
 </file>
 
@@ -18107,126 +18074,6 @@
       </p:sp>
       <p:sp>
         <p:nvSpPr>
-          <p:cNvPr id="19" name="Flecha abajo 18"/>
-          <p:cNvSpPr/>
-          <p:nvPr/>
-        </p:nvSpPr>
-        <p:spPr>
-          <a:xfrm>
-            <a:off x="4775446" y="2877210"/>
-            <a:ext cx="263611" cy="568410"/>
-          </a:xfrm>
-          <a:prstGeom prst="downArrow">
-            <a:avLst/>
-          </a:prstGeom>
-        </p:spPr>
-        <p:style>
-          <a:lnRef idx="2">
-            <a:schemeClr val="accent2">
-              <a:shade val="50000"/>
-            </a:schemeClr>
-          </a:lnRef>
-          <a:fillRef idx="1">
-            <a:schemeClr val="accent2"/>
-          </a:fillRef>
-          <a:effectRef idx="0">
-            <a:schemeClr val="accent2"/>
-          </a:effectRef>
-          <a:fontRef idx="minor">
-            <a:schemeClr val="lt1"/>
-          </a:fontRef>
-        </p:style>
-        <p:txBody>
-          <a:bodyPr rtlCol="0" anchor="ctr"/>
-          <a:lstStyle/>
-          <a:p>
-            <a:pPr algn="ctr"/>
-            <a:endParaRPr lang="es-ES"/>
-          </a:p>
-        </p:txBody>
-      </p:sp>
-      <p:sp>
-        <p:nvSpPr>
-          <p:cNvPr id="20" name="Flecha abajo 19"/>
-          <p:cNvSpPr/>
-          <p:nvPr/>
-        </p:nvSpPr>
-        <p:spPr>
-          <a:xfrm>
-            <a:off x="5945219" y="2877210"/>
-            <a:ext cx="263611" cy="568410"/>
-          </a:xfrm>
-          <a:prstGeom prst="downArrow">
-            <a:avLst/>
-          </a:prstGeom>
-        </p:spPr>
-        <p:style>
-          <a:lnRef idx="2">
-            <a:schemeClr val="accent2">
-              <a:shade val="50000"/>
-            </a:schemeClr>
-          </a:lnRef>
-          <a:fillRef idx="1">
-            <a:schemeClr val="accent2"/>
-          </a:fillRef>
-          <a:effectRef idx="0">
-            <a:schemeClr val="accent2"/>
-          </a:effectRef>
-          <a:fontRef idx="minor">
-            <a:schemeClr val="lt1"/>
-          </a:fontRef>
-        </p:style>
-        <p:txBody>
-          <a:bodyPr rtlCol="0" anchor="ctr"/>
-          <a:lstStyle/>
-          <a:p>
-            <a:pPr algn="ctr"/>
-            <a:endParaRPr lang="es-ES"/>
-          </a:p>
-        </p:txBody>
-      </p:sp>
-      <p:sp>
-        <p:nvSpPr>
-          <p:cNvPr id="21" name="Flecha abajo 20"/>
-          <p:cNvSpPr/>
-          <p:nvPr/>
-        </p:nvSpPr>
-        <p:spPr>
-          <a:xfrm>
-            <a:off x="3846191" y="2893685"/>
-            <a:ext cx="263611" cy="568410"/>
-          </a:xfrm>
-          <a:prstGeom prst="downArrow">
-            <a:avLst/>
-          </a:prstGeom>
-        </p:spPr>
-        <p:style>
-          <a:lnRef idx="2">
-            <a:schemeClr val="accent2">
-              <a:shade val="50000"/>
-            </a:schemeClr>
-          </a:lnRef>
-          <a:fillRef idx="1">
-            <a:schemeClr val="accent2"/>
-          </a:fillRef>
-          <a:effectRef idx="0">
-            <a:schemeClr val="accent2"/>
-          </a:effectRef>
-          <a:fontRef idx="minor">
-            <a:schemeClr val="lt1"/>
-          </a:fontRef>
-        </p:style>
-        <p:txBody>
-          <a:bodyPr rtlCol="0" anchor="ctr"/>
-          <a:lstStyle/>
-          <a:p>
-            <a:pPr algn="ctr"/>
-            <a:endParaRPr lang="es-ES"/>
-          </a:p>
-        </p:txBody>
-      </p:sp>
-      <p:sp>
-        <p:nvSpPr>
           <p:cNvPr id="15" name="Elipse 14"/>
           <p:cNvSpPr/>
           <p:nvPr/>
@@ -18262,16 +18109,8 @@
           <a:p>
             <a:pPr algn="ctr"/>
             <a:r>
-              <a:rPr lang="en-US" dirty="0" smtClean="0"/>
-              <a:t>Hazard</a:t>
-            </a:r>
-            <a:r>
               <a:rPr lang="es-ES" dirty="0" smtClean="0"/>
-              <a:t> </a:t>
-            </a:r>
-            <a:r>
-              <a:rPr lang="en-US" dirty="0" smtClean="0"/>
-              <a:t>area </a:t>
+              <a:t>Área en peligro</a:t>
             </a:r>
             <a:endParaRPr lang="en-US" dirty="0"/>
           </a:p>
@@ -18612,7 +18451,7 @@
       </p:sp>
       <p:pic>
         <p:nvPicPr>
-          <p:cNvPr id="14" name="Imagen 13"/>
+          <p:cNvPr id="3" name="Imagen 2"/>
           <p:cNvPicPr>
             <a:picLocks noChangeAspect="1"/>
           </p:cNvPicPr>
@@ -18620,36 +18459,6 @@
         </p:nvPicPr>
         <p:blipFill>
           <a:blip r:embed="rId3">
-            <a:extLst>
-              <a:ext uri="{28A0092B-C50C-407E-A947-70E740481C1C}">
-                <a14:useLocalDpi xmlns:a14="http://schemas.microsoft.com/office/drawing/2010/main" val="0"/>
-              </a:ext>
-            </a:extLst>
-          </a:blip>
-          <a:stretch>
-            <a:fillRect/>
-          </a:stretch>
-        </p:blipFill>
-        <p:spPr>
-          <a:xfrm>
-            <a:off x="2472437" y="2240182"/>
-            <a:ext cx="5695033" cy="1745090"/>
-          </a:xfrm>
-          <a:prstGeom prst="rect">
-            <a:avLst/>
-          </a:prstGeom>
-        </p:spPr>
-      </p:pic>
-      <p:pic>
-        <p:nvPicPr>
-          <p:cNvPr id="3" name="Imagen 2"/>
-          <p:cNvPicPr>
-            <a:picLocks noChangeAspect="1"/>
-          </p:cNvPicPr>
-          <p:nvPr/>
-        </p:nvPicPr>
-        <p:blipFill>
-          <a:blip r:embed="rId4">
             <a:extLst>
               <a:ext uri="{28A0092B-C50C-407E-A947-70E740481C1C}">
                 <a14:useLocalDpi xmlns:a14="http://schemas.microsoft.com/office/drawing/2010/main" val="0"/>
@@ -18670,50 +18479,6 @@
           </a:prstGeom>
         </p:spPr>
       </p:pic>
-      <p:sp>
-        <p:nvSpPr>
-          <p:cNvPr id="16" name="Rectángulo 15"/>
-          <p:cNvSpPr/>
-          <p:nvPr/>
-        </p:nvSpPr>
-        <p:spPr>
-          <a:xfrm>
-            <a:off x="380853" y="6025804"/>
-            <a:ext cx="1842608" cy="350108"/>
-          </a:xfrm>
-          <a:prstGeom prst="rect">
-            <a:avLst/>
-          </a:prstGeom>
-        </p:spPr>
-        <p:style>
-          <a:lnRef idx="2">
-            <a:schemeClr val="accent4">
-              <a:shade val="50000"/>
-            </a:schemeClr>
-          </a:lnRef>
-          <a:fillRef idx="1">
-            <a:schemeClr val="accent4"/>
-          </a:fillRef>
-          <a:effectRef idx="0">
-            <a:schemeClr val="accent4"/>
-          </a:effectRef>
-          <a:fontRef idx="minor">
-            <a:schemeClr val="lt1"/>
-          </a:fontRef>
-        </p:style>
-        <p:txBody>
-          <a:bodyPr rtlCol="0" anchor="ctr"/>
-          <a:lstStyle/>
-          <a:p>
-            <a:pPr algn="ctr"/>
-            <a:r>
-              <a:rPr lang="es-ES" sz="1050" dirty="0" smtClean="0"/>
-              <a:t>Servicios de emergencia</a:t>
-            </a:r>
-            <a:endParaRPr lang="es-ES" sz="1050" dirty="0"/>
-          </a:p>
-        </p:txBody>
-      </p:sp>
       <p:pic>
         <p:nvPicPr>
           <p:cNvPr id="22" name="Imagen 2"/>
@@ -18723,7 +18488,7 @@
           <p:nvPr/>
         </p:nvPicPr>
         <p:blipFill>
-          <a:blip r:embed="rId5">
+          <a:blip r:embed="rId4">
             <a:extLst>
               <a:ext uri="{28A0092B-C50C-407E-A947-70E740481C1C}">
                 <a14:useLocalDpi xmlns:a14="http://schemas.microsoft.com/office/drawing/2010/main" val="0"/>
@@ -18747,50 +18512,36 @@
           </a:solidFill>
         </p:spPr>
       </p:pic>
-      <p:sp>
-        <p:nvSpPr>
-          <p:cNvPr id="23" name="Rectángulo 15"/>
-          <p:cNvSpPr/>
+      <p:pic>
+        <p:nvPicPr>
+          <p:cNvPr id="14" name="Imagen 13"/>
+          <p:cNvPicPr>
+            <a:picLocks noChangeAspect="1"/>
+          </p:cNvPicPr>
           <p:nvPr/>
-        </p:nvSpPr>
+        </p:nvPicPr>
+        <p:blipFill>
+          <a:blip r:embed="rId5">
+            <a:extLst>
+              <a:ext uri="{28A0092B-C50C-407E-A947-70E740481C1C}">
+                <a14:useLocalDpi xmlns:a14="http://schemas.microsoft.com/office/drawing/2010/main" val="0"/>
+              </a:ext>
+            </a:extLst>
+          </a:blip>
+          <a:stretch>
+            <a:fillRect/>
+          </a:stretch>
+        </p:blipFill>
         <p:spPr>
           <a:xfrm>
-            <a:off x="371566" y="3447537"/>
-            <a:ext cx="1842608" cy="350108"/>
+            <a:off x="2472437" y="2240182"/>
+            <a:ext cx="5695033" cy="1745090"/>
           </a:xfrm>
           <a:prstGeom prst="rect">
             <a:avLst/>
           </a:prstGeom>
         </p:spPr>
-        <p:style>
-          <a:lnRef idx="2">
-            <a:schemeClr val="accent4">
-              <a:shade val="50000"/>
-            </a:schemeClr>
-          </a:lnRef>
-          <a:fillRef idx="1">
-            <a:schemeClr val="accent4"/>
-          </a:fillRef>
-          <a:effectRef idx="0">
-            <a:schemeClr val="accent4"/>
-          </a:effectRef>
-          <a:fontRef idx="minor">
-            <a:schemeClr val="lt1"/>
-          </a:fontRef>
-        </p:style>
-        <p:txBody>
-          <a:bodyPr rtlCol="0" anchor="ctr"/>
-          <a:lstStyle/>
-          <a:p>
-            <a:pPr algn="ctr"/>
-            <a:r>
-              <a:rPr lang="es-ES" sz="1050" dirty="0" smtClean="0"/>
-              <a:t>AEMET</a:t>
-            </a:r>
-            <a:endParaRPr lang="es-ES" sz="1050" dirty="0"/>
-          </a:p>
-        </p:txBody>
-      </p:sp>
+      </p:pic>
     </p:spTree>
     <p:extLst>
       <p:ext uri="{BB962C8B-B14F-4D97-AF65-F5344CB8AC3E}">
@@ -18923,225 +18674,6 @@
                       </p:childTnLst>
                     </p:cTn>
                   </p:par>
-                  <p:par>
-                    <p:cTn id="14" fill="hold">
-                      <p:stCondLst>
-                        <p:cond delay="indefinite"/>
-                      </p:stCondLst>
-                      <p:childTnLst>
-                        <p:par>
-                          <p:cTn id="15" fill="hold">
-                            <p:stCondLst>
-                              <p:cond delay="0"/>
-                            </p:stCondLst>
-                            <p:childTnLst>
-                              <p:par>
-                                <p:cTn id="16" presetID="42" presetClass="path" presetSubtype="0" accel="50000" decel="50000" fill="hold" grpId="0" nodeType="clickEffect">
-                                  <p:stCondLst>
-                                    <p:cond delay="0"/>
-                                  </p:stCondLst>
-                                  <p:childTnLst>
-                                    <p:animMotion origin="layout" path="M -0.00026 -0.0213 L -0.00026 0.2287 " pathEditMode="relative" rAng="0" ptsTypes="AA">
-                                      <p:cBhvr>
-                                        <p:cTn id="17" dur="2000" fill="hold"/>
-                                        <p:tgtEl>
-                                          <p:spTgt spid="20"/>
-                                        </p:tgtEl>
-                                        <p:attrNameLst>
-                                          <p:attrName>ppt_x</p:attrName>
-                                          <p:attrName>ppt_y</p:attrName>
-                                        </p:attrNameLst>
-                                      </p:cBhvr>
-                                      <p:rCtr x="0" y="12500"/>
-                                    </p:animMotion>
-                                  </p:childTnLst>
-                                </p:cTn>
-                              </p:par>
-                              <p:par>
-                                <p:cTn id="18" presetID="42" presetClass="path" presetSubtype="0" accel="50000" decel="50000" fill="hold" grpId="0" nodeType="withEffect">
-                                  <p:stCondLst>
-                                    <p:cond delay="0"/>
-                                  </p:stCondLst>
-                                  <p:childTnLst>
-                                    <p:animMotion origin="layout" path="M 0.00755 -0.00903 L 0.00755 0.24097 " pathEditMode="relative" rAng="0" ptsTypes="AA">
-                                      <p:cBhvr>
-                                        <p:cTn id="19" dur="2000" fill="hold"/>
-                                        <p:tgtEl>
-                                          <p:spTgt spid="21"/>
-                                        </p:tgtEl>
-                                        <p:attrNameLst>
-                                          <p:attrName>ppt_x</p:attrName>
-                                          <p:attrName>ppt_y</p:attrName>
-                                        </p:attrNameLst>
-                                      </p:cBhvr>
-                                      <p:rCtr x="0" y="12500"/>
-                                    </p:animMotion>
-                                  </p:childTnLst>
-                                </p:cTn>
-                              </p:par>
-                              <p:par>
-                                <p:cTn id="20" presetID="42" presetClass="path" presetSubtype="0" accel="50000" decel="50000" fill="hold" grpId="0" nodeType="withEffect">
-                                  <p:stCondLst>
-                                    <p:cond delay="0"/>
-                                  </p:stCondLst>
-                                  <p:childTnLst>
-                                    <p:animMotion origin="layout" path="M -0.00026 -0.0213 L -0.00026 0.2287 " pathEditMode="relative" rAng="0" ptsTypes="AA">
-                                      <p:cBhvr>
-                                        <p:cTn id="21" dur="2000" fill="hold"/>
-                                        <p:tgtEl>
-                                          <p:spTgt spid="19"/>
-                                        </p:tgtEl>
-                                        <p:attrNameLst>
-                                          <p:attrName>ppt_x</p:attrName>
-                                          <p:attrName>ppt_y</p:attrName>
-                                        </p:attrNameLst>
-                                      </p:cBhvr>
-                                      <p:rCtr x="0" y="12500"/>
-                                    </p:animMotion>
-                                  </p:childTnLst>
-                                </p:cTn>
-                              </p:par>
-                            </p:childTnLst>
-                          </p:cTn>
-                        </p:par>
-                      </p:childTnLst>
-                    </p:cTn>
-                  </p:par>
-                  <p:par>
-                    <p:cTn id="22" fill="hold">
-                      <p:stCondLst>
-                        <p:cond delay="indefinite"/>
-                      </p:stCondLst>
-                      <p:childTnLst>
-                        <p:par>
-                          <p:cTn id="23" fill="hold">
-                            <p:stCondLst>
-                              <p:cond delay="0"/>
-                            </p:stCondLst>
-                            <p:childTnLst>
-                              <p:par>
-                                <p:cTn id="24" presetID="1" presetClass="exit" presetSubtype="0" fill="hold" grpId="1" nodeType="clickEffect">
-                                  <p:stCondLst>
-                                    <p:cond delay="0"/>
-                                  </p:stCondLst>
-                                  <p:childTnLst>
-                                    <p:set>
-                                      <p:cBhvr>
-                                        <p:cTn id="25" dur="1" fill="hold">
-                                          <p:stCondLst>
-                                            <p:cond delay="0"/>
-                                          </p:stCondLst>
-                                        </p:cTn>
-                                        <p:tgtEl>
-                                          <p:spTgt spid="21"/>
-                                        </p:tgtEl>
-                                        <p:attrNameLst>
-                                          <p:attrName>style.visibility</p:attrName>
-                                        </p:attrNameLst>
-                                      </p:cBhvr>
-                                      <p:to>
-                                        <p:strVal val="hidden"/>
-                                      </p:to>
-                                    </p:set>
-                                  </p:childTnLst>
-                                </p:cTn>
-                              </p:par>
-                            </p:childTnLst>
-                          </p:cTn>
-                        </p:par>
-                      </p:childTnLst>
-                    </p:cTn>
-                  </p:par>
-                  <p:par>
-                    <p:cTn id="26" fill="hold">
-                      <p:stCondLst>
-                        <p:cond delay="indefinite"/>
-                      </p:stCondLst>
-                      <p:childTnLst>
-                        <p:par>
-                          <p:cTn id="27" fill="hold">
-                            <p:stCondLst>
-                              <p:cond delay="0"/>
-                            </p:stCondLst>
-                            <p:childTnLst>
-                              <p:par>
-                                <p:cTn id="28" presetID="1" presetClass="exit" presetSubtype="0" fill="hold" grpId="1" nodeType="clickEffect">
-                                  <p:stCondLst>
-                                    <p:cond delay="0"/>
-                                  </p:stCondLst>
-                                  <p:childTnLst>
-                                    <p:set>
-                                      <p:cBhvr>
-                                        <p:cTn id="29" dur="1" fill="hold">
-                                          <p:stCondLst>
-                                            <p:cond delay="0"/>
-                                          </p:stCondLst>
-                                        </p:cTn>
-                                        <p:tgtEl>
-                                          <p:spTgt spid="19"/>
-                                        </p:tgtEl>
-                                        <p:attrNameLst>
-                                          <p:attrName>style.visibility</p:attrName>
-                                        </p:attrNameLst>
-                                      </p:cBhvr>
-                                      <p:to>
-                                        <p:strVal val="hidden"/>
-                                      </p:to>
-                                    </p:set>
-                                  </p:childTnLst>
-                                </p:cTn>
-                              </p:par>
-                            </p:childTnLst>
-                          </p:cTn>
-                        </p:par>
-                      </p:childTnLst>
-                    </p:cTn>
-                  </p:par>
-                  <p:par>
-                    <p:cTn id="30" fill="hold">
-                      <p:stCondLst>
-                        <p:cond delay="indefinite"/>
-                      </p:stCondLst>
-                      <p:childTnLst>
-                        <p:par>
-                          <p:cTn id="31" fill="hold">
-                            <p:stCondLst>
-                              <p:cond delay="0"/>
-                            </p:stCondLst>
-                            <p:childTnLst>
-                              <p:par>
-                                <p:cTn id="32" presetID="1" presetClass="exit" presetSubtype="0" fill="hold" grpId="1" nodeType="clickEffect">
-                                  <p:stCondLst>
-                                    <p:cond delay="0"/>
-                                  </p:stCondLst>
-                                  <p:childTnLst>
-                                    <p:set>
-                                      <p:cBhvr>
-                                        <p:cTn id="33" dur="1" fill="hold">
-                                          <p:stCondLst>
-                                            <p:cond delay="0"/>
-                                          </p:stCondLst>
-                                        </p:cTn>
-                                        <p:tgtEl>
-                                          <p:spTgt spid="20"/>
-                                        </p:tgtEl>
-                                        <p:attrNameLst>
-                                          <p:attrName>style.visibility</p:attrName>
-                                        </p:attrNameLst>
-                                      </p:cBhvr>
-                                      <p:to>
-                                        <p:strVal val="hidden"/>
-                                      </p:to>
-                                    </p:set>
-                                  </p:childTnLst>
-                                </p:cTn>
-                              </p:par>
-                            </p:childTnLst>
-                          </p:cTn>
-                        </p:par>
-                      </p:childTnLst>
-                    </p:cTn>
-                  </p:par>
                 </p:childTnLst>
               </p:cTn>
               <p:prevCondLst>
@@ -19165,12 +18697,6 @@
     </p:tnLst>
     <p:bldLst>
       <p:bldP spid="26" grpId="0" animBg="1"/>
-      <p:bldP spid="19" grpId="0" animBg="1"/>
-      <p:bldP spid="19" grpId="1" animBg="1"/>
-      <p:bldP spid="20" grpId="0" animBg="1"/>
-      <p:bldP spid="20" grpId="1" animBg="1"/>
-      <p:bldP spid="21" grpId="0" animBg="1"/>
-      <p:bldP spid="21" grpId="1" animBg="1"/>
       <p:bldP spid="15" grpId="0" animBg="1"/>
       <p:bldP spid="13" grpId="0" animBg="1"/>
     </p:bldLst>
@@ -19195,126 +18721,6 @@
           <a:chExt cx="0" cy="0"/>
         </a:xfrm>
       </p:grpSpPr>
-      <p:sp>
-        <p:nvSpPr>
-          <p:cNvPr id="19" name="Flecha abajo 18"/>
-          <p:cNvSpPr/>
-          <p:nvPr/>
-        </p:nvSpPr>
-        <p:spPr>
-          <a:xfrm>
-            <a:off x="4775446" y="2877210"/>
-            <a:ext cx="263611" cy="568410"/>
-          </a:xfrm>
-          <a:prstGeom prst="downArrow">
-            <a:avLst/>
-          </a:prstGeom>
-        </p:spPr>
-        <p:style>
-          <a:lnRef idx="2">
-            <a:schemeClr val="accent2">
-              <a:shade val="50000"/>
-            </a:schemeClr>
-          </a:lnRef>
-          <a:fillRef idx="1">
-            <a:schemeClr val="accent2"/>
-          </a:fillRef>
-          <a:effectRef idx="0">
-            <a:schemeClr val="accent2"/>
-          </a:effectRef>
-          <a:fontRef idx="minor">
-            <a:schemeClr val="lt1"/>
-          </a:fontRef>
-        </p:style>
-        <p:txBody>
-          <a:bodyPr rtlCol="0" anchor="ctr"/>
-          <a:lstStyle/>
-          <a:p>
-            <a:pPr algn="ctr"/>
-            <a:endParaRPr lang="es-ES"/>
-          </a:p>
-        </p:txBody>
-      </p:sp>
-      <p:sp>
-        <p:nvSpPr>
-          <p:cNvPr id="20" name="Flecha abajo 19"/>
-          <p:cNvSpPr/>
-          <p:nvPr/>
-        </p:nvSpPr>
-        <p:spPr>
-          <a:xfrm>
-            <a:off x="5945219" y="2877210"/>
-            <a:ext cx="263611" cy="568410"/>
-          </a:xfrm>
-          <a:prstGeom prst="downArrow">
-            <a:avLst/>
-          </a:prstGeom>
-        </p:spPr>
-        <p:style>
-          <a:lnRef idx="2">
-            <a:schemeClr val="accent2">
-              <a:shade val="50000"/>
-            </a:schemeClr>
-          </a:lnRef>
-          <a:fillRef idx="1">
-            <a:schemeClr val="accent2"/>
-          </a:fillRef>
-          <a:effectRef idx="0">
-            <a:schemeClr val="accent2"/>
-          </a:effectRef>
-          <a:fontRef idx="minor">
-            <a:schemeClr val="lt1"/>
-          </a:fontRef>
-        </p:style>
-        <p:txBody>
-          <a:bodyPr rtlCol="0" anchor="ctr"/>
-          <a:lstStyle/>
-          <a:p>
-            <a:pPr algn="ctr"/>
-            <a:endParaRPr lang="es-ES"/>
-          </a:p>
-        </p:txBody>
-      </p:sp>
-      <p:sp>
-        <p:nvSpPr>
-          <p:cNvPr id="21" name="Flecha abajo 20"/>
-          <p:cNvSpPr/>
-          <p:nvPr/>
-        </p:nvSpPr>
-        <p:spPr>
-          <a:xfrm>
-            <a:off x="3846191" y="2893685"/>
-            <a:ext cx="263611" cy="568410"/>
-          </a:xfrm>
-          <a:prstGeom prst="downArrow">
-            <a:avLst/>
-          </a:prstGeom>
-        </p:spPr>
-        <p:style>
-          <a:lnRef idx="2">
-            <a:schemeClr val="accent2">
-              <a:shade val="50000"/>
-            </a:schemeClr>
-          </a:lnRef>
-          <a:fillRef idx="1">
-            <a:schemeClr val="accent2"/>
-          </a:fillRef>
-          <a:effectRef idx="0">
-            <a:schemeClr val="accent2"/>
-          </a:effectRef>
-          <a:fontRef idx="minor">
-            <a:schemeClr val="lt1"/>
-          </a:fontRef>
-        </p:style>
-        <p:txBody>
-          <a:bodyPr rtlCol="0" anchor="ctr"/>
-          <a:lstStyle/>
-          <a:p>
-            <a:pPr algn="ctr"/>
-            <a:endParaRPr lang="es-ES"/>
-          </a:p>
-        </p:txBody>
-      </p:sp>
       <p:sp>
         <p:nvSpPr>
           <p:cNvPr id="15" name="Elipse 14"/>
@@ -19353,7 +18759,15 @@
             <a:pPr algn="ctr"/>
             <a:r>
               <a:rPr lang="es-ES" dirty="0" smtClean="0"/>
-              <a:t>Posible área en peligro</a:t>
+              <a:t>Posible </a:t>
+            </a:r>
+            <a:r>
+              <a:rPr lang="es-ES" dirty="0" smtClean="0"/>
+              <a:t>área </a:t>
+            </a:r>
+            <a:r>
+              <a:rPr lang="es-ES" dirty="0" smtClean="0"/>
+              <a:t>en peligro</a:t>
             </a:r>
             <a:endParaRPr lang="en-US" dirty="0"/>
           </a:p>
@@ -19693,7 +19107,7 @@
       </p:sp>
       <p:pic>
         <p:nvPicPr>
-          <p:cNvPr id="14" name="Imagen 13"/>
+          <p:cNvPr id="3" name="Imagen 2"/>
           <p:cNvPicPr>
             <a:picLocks noChangeAspect="1"/>
           </p:cNvPicPr>
@@ -19701,36 +19115,6 @@
         </p:nvPicPr>
         <p:blipFill>
           <a:blip r:embed="rId3">
-            <a:extLst>
-              <a:ext uri="{28A0092B-C50C-407E-A947-70E740481C1C}">
-                <a14:useLocalDpi xmlns:a14="http://schemas.microsoft.com/office/drawing/2010/main" val="0"/>
-              </a:ext>
-            </a:extLst>
-          </a:blip>
-          <a:stretch>
-            <a:fillRect/>
-          </a:stretch>
-        </p:blipFill>
-        <p:spPr>
-          <a:xfrm>
-            <a:off x="3319850" y="2240182"/>
-            <a:ext cx="3640244" cy="1745090"/>
-          </a:xfrm>
-          <a:prstGeom prst="rect">
-            <a:avLst/>
-          </a:prstGeom>
-        </p:spPr>
-      </p:pic>
-      <p:pic>
-        <p:nvPicPr>
-          <p:cNvPr id="3" name="Imagen 2"/>
-          <p:cNvPicPr>
-            <a:picLocks noChangeAspect="1"/>
-          </p:cNvPicPr>
-          <p:nvPr/>
-        </p:nvPicPr>
-        <p:blipFill>
-          <a:blip r:embed="rId4">
             <a:extLst>
               <a:ext uri="{28A0092B-C50C-407E-A947-70E740481C1C}">
                 <a14:useLocalDpi xmlns:a14="http://schemas.microsoft.com/office/drawing/2010/main" val="0"/>
@@ -19837,7 +19221,11 @@
             <a:pPr algn="ctr"/>
             <a:r>
               <a:rPr lang="es-ES" sz="1050" dirty="0" smtClean="0"/>
-              <a:t>Histórico de eventos</a:t>
+              <a:t>Histórico de </a:t>
+            </a:r>
+            <a:r>
+              <a:rPr lang="es-ES" sz="1050" dirty="0" smtClean="0"/>
+              <a:t>alertas</a:t>
             </a:r>
             <a:endParaRPr lang="es-ES" sz="1050" dirty="0"/>
           </a:p>
@@ -19883,6 +19271,36 @@
           </a:p>
         </p:txBody>
       </p:sp>
+      <p:pic>
+        <p:nvPicPr>
+          <p:cNvPr id="14" name="Imagen 13"/>
+          <p:cNvPicPr>
+            <a:picLocks noChangeAspect="1"/>
+          </p:cNvPicPr>
+          <p:nvPr/>
+        </p:nvPicPr>
+        <p:blipFill>
+          <a:blip r:embed="rId4">
+            <a:extLst>
+              <a:ext uri="{28A0092B-C50C-407E-A947-70E740481C1C}">
+                <a14:useLocalDpi xmlns:a14="http://schemas.microsoft.com/office/drawing/2010/main" val="0"/>
+              </a:ext>
+            </a:extLst>
+          </a:blip>
+          <a:stretch>
+            <a:fillRect/>
+          </a:stretch>
+        </p:blipFill>
+        <p:spPr>
+          <a:xfrm>
+            <a:off x="3319850" y="2240182"/>
+            <a:ext cx="3640244" cy="1745090"/>
+          </a:xfrm>
+          <a:prstGeom prst="rect">
+            <a:avLst/>
+          </a:prstGeom>
+        </p:spPr>
+      </p:pic>
     </p:spTree>
     <p:extLst>
       <p:ext uri="{BB962C8B-B14F-4D97-AF65-F5344CB8AC3E}">
@@ -19994,225 +19412,6 @@
                       </p:childTnLst>
                     </p:cTn>
                   </p:par>
-                  <p:par>
-                    <p:cTn id="12" fill="hold">
-                      <p:stCondLst>
-                        <p:cond delay="indefinite"/>
-                      </p:stCondLst>
-                      <p:childTnLst>
-                        <p:par>
-                          <p:cTn id="13" fill="hold">
-                            <p:stCondLst>
-                              <p:cond delay="0"/>
-                            </p:stCondLst>
-                            <p:childTnLst>
-                              <p:par>
-                                <p:cTn id="14" presetID="42" presetClass="path" presetSubtype="0" accel="50000" decel="50000" fill="hold" grpId="0" nodeType="clickEffect">
-                                  <p:stCondLst>
-                                    <p:cond delay="0"/>
-                                  </p:stCondLst>
-                                  <p:childTnLst>
-                                    <p:animMotion origin="layout" path="M -0.00026 -0.0213 L -0.00026 0.2287 " pathEditMode="relative" rAng="0" ptsTypes="AA">
-                                      <p:cBhvr>
-                                        <p:cTn id="15" dur="2000" fill="hold"/>
-                                        <p:tgtEl>
-                                          <p:spTgt spid="20"/>
-                                        </p:tgtEl>
-                                        <p:attrNameLst>
-                                          <p:attrName>ppt_x</p:attrName>
-                                          <p:attrName>ppt_y</p:attrName>
-                                        </p:attrNameLst>
-                                      </p:cBhvr>
-                                      <p:rCtr x="0" y="12500"/>
-                                    </p:animMotion>
-                                  </p:childTnLst>
-                                </p:cTn>
-                              </p:par>
-                              <p:par>
-                                <p:cTn id="16" presetID="42" presetClass="path" presetSubtype="0" accel="50000" decel="50000" fill="hold" grpId="0" nodeType="withEffect">
-                                  <p:stCondLst>
-                                    <p:cond delay="0"/>
-                                  </p:stCondLst>
-                                  <p:childTnLst>
-                                    <p:animMotion origin="layout" path="M 0.00755 -0.00903 L 0.00755 0.24097 " pathEditMode="relative" rAng="0" ptsTypes="AA">
-                                      <p:cBhvr>
-                                        <p:cTn id="17" dur="2000" fill="hold"/>
-                                        <p:tgtEl>
-                                          <p:spTgt spid="21"/>
-                                        </p:tgtEl>
-                                        <p:attrNameLst>
-                                          <p:attrName>ppt_x</p:attrName>
-                                          <p:attrName>ppt_y</p:attrName>
-                                        </p:attrNameLst>
-                                      </p:cBhvr>
-                                      <p:rCtr x="0" y="12500"/>
-                                    </p:animMotion>
-                                  </p:childTnLst>
-                                </p:cTn>
-                              </p:par>
-                              <p:par>
-                                <p:cTn id="18" presetID="42" presetClass="path" presetSubtype="0" accel="50000" decel="50000" fill="hold" grpId="0" nodeType="withEffect">
-                                  <p:stCondLst>
-                                    <p:cond delay="0"/>
-                                  </p:stCondLst>
-                                  <p:childTnLst>
-                                    <p:animMotion origin="layout" path="M -0.00026 -0.0213 L -0.00026 0.2287 " pathEditMode="relative" rAng="0" ptsTypes="AA">
-                                      <p:cBhvr>
-                                        <p:cTn id="19" dur="2000" fill="hold"/>
-                                        <p:tgtEl>
-                                          <p:spTgt spid="19"/>
-                                        </p:tgtEl>
-                                        <p:attrNameLst>
-                                          <p:attrName>ppt_x</p:attrName>
-                                          <p:attrName>ppt_y</p:attrName>
-                                        </p:attrNameLst>
-                                      </p:cBhvr>
-                                      <p:rCtr x="0" y="12500"/>
-                                    </p:animMotion>
-                                  </p:childTnLst>
-                                </p:cTn>
-                              </p:par>
-                            </p:childTnLst>
-                          </p:cTn>
-                        </p:par>
-                      </p:childTnLst>
-                    </p:cTn>
-                  </p:par>
-                  <p:par>
-                    <p:cTn id="20" fill="hold">
-                      <p:stCondLst>
-                        <p:cond delay="indefinite"/>
-                      </p:stCondLst>
-                      <p:childTnLst>
-                        <p:par>
-                          <p:cTn id="21" fill="hold">
-                            <p:stCondLst>
-                              <p:cond delay="0"/>
-                            </p:stCondLst>
-                            <p:childTnLst>
-                              <p:par>
-                                <p:cTn id="22" presetID="1" presetClass="exit" presetSubtype="0" fill="hold" grpId="1" nodeType="clickEffect">
-                                  <p:stCondLst>
-                                    <p:cond delay="0"/>
-                                  </p:stCondLst>
-                                  <p:childTnLst>
-                                    <p:set>
-                                      <p:cBhvr>
-                                        <p:cTn id="23" dur="1" fill="hold">
-                                          <p:stCondLst>
-                                            <p:cond delay="0"/>
-                                          </p:stCondLst>
-                                        </p:cTn>
-                                        <p:tgtEl>
-                                          <p:spTgt spid="21"/>
-                                        </p:tgtEl>
-                                        <p:attrNameLst>
-                                          <p:attrName>style.visibility</p:attrName>
-                                        </p:attrNameLst>
-                                      </p:cBhvr>
-                                      <p:to>
-                                        <p:strVal val="hidden"/>
-                                      </p:to>
-                                    </p:set>
-                                  </p:childTnLst>
-                                </p:cTn>
-                              </p:par>
-                            </p:childTnLst>
-                          </p:cTn>
-                        </p:par>
-                      </p:childTnLst>
-                    </p:cTn>
-                  </p:par>
-                  <p:par>
-                    <p:cTn id="24" fill="hold">
-                      <p:stCondLst>
-                        <p:cond delay="indefinite"/>
-                      </p:stCondLst>
-                      <p:childTnLst>
-                        <p:par>
-                          <p:cTn id="25" fill="hold">
-                            <p:stCondLst>
-                              <p:cond delay="0"/>
-                            </p:stCondLst>
-                            <p:childTnLst>
-                              <p:par>
-                                <p:cTn id="26" presetID="1" presetClass="exit" presetSubtype="0" fill="hold" grpId="1" nodeType="clickEffect">
-                                  <p:stCondLst>
-                                    <p:cond delay="0"/>
-                                  </p:stCondLst>
-                                  <p:childTnLst>
-                                    <p:set>
-                                      <p:cBhvr>
-                                        <p:cTn id="27" dur="1" fill="hold">
-                                          <p:stCondLst>
-                                            <p:cond delay="0"/>
-                                          </p:stCondLst>
-                                        </p:cTn>
-                                        <p:tgtEl>
-                                          <p:spTgt spid="19"/>
-                                        </p:tgtEl>
-                                        <p:attrNameLst>
-                                          <p:attrName>style.visibility</p:attrName>
-                                        </p:attrNameLst>
-                                      </p:cBhvr>
-                                      <p:to>
-                                        <p:strVal val="hidden"/>
-                                      </p:to>
-                                    </p:set>
-                                  </p:childTnLst>
-                                </p:cTn>
-                              </p:par>
-                            </p:childTnLst>
-                          </p:cTn>
-                        </p:par>
-                      </p:childTnLst>
-                    </p:cTn>
-                  </p:par>
-                  <p:par>
-                    <p:cTn id="28" fill="hold">
-                      <p:stCondLst>
-                        <p:cond delay="indefinite"/>
-                      </p:stCondLst>
-                      <p:childTnLst>
-                        <p:par>
-                          <p:cTn id="29" fill="hold">
-                            <p:stCondLst>
-                              <p:cond delay="0"/>
-                            </p:stCondLst>
-                            <p:childTnLst>
-                              <p:par>
-                                <p:cTn id="30" presetID="1" presetClass="exit" presetSubtype="0" fill="hold" grpId="1" nodeType="clickEffect">
-                                  <p:stCondLst>
-                                    <p:cond delay="0"/>
-                                  </p:stCondLst>
-                                  <p:childTnLst>
-                                    <p:set>
-                                      <p:cBhvr>
-                                        <p:cTn id="31" dur="1" fill="hold">
-                                          <p:stCondLst>
-                                            <p:cond delay="0"/>
-                                          </p:stCondLst>
-                                        </p:cTn>
-                                        <p:tgtEl>
-                                          <p:spTgt spid="20"/>
-                                        </p:tgtEl>
-                                        <p:attrNameLst>
-                                          <p:attrName>style.visibility</p:attrName>
-                                        </p:attrNameLst>
-                                      </p:cBhvr>
-                                      <p:to>
-                                        <p:strVal val="hidden"/>
-                                      </p:to>
-                                    </p:set>
-                                  </p:childTnLst>
-                                </p:cTn>
-                              </p:par>
-                            </p:childTnLst>
-                          </p:cTn>
-                        </p:par>
-                      </p:childTnLst>
-                    </p:cTn>
-                  </p:par>
                 </p:childTnLst>
               </p:cTn>
               <p:prevCondLst>
@@ -20235,12 +19434,6 @@
       </p:par>
     </p:tnLst>
     <p:bldLst>
-      <p:bldP spid="19" grpId="0" animBg="1"/>
-      <p:bldP spid="19" grpId="1" animBg="1"/>
-      <p:bldP spid="20" grpId="0" animBg="1"/>
-      <p:bldP spid="20" grpId="1" animBg="1"/>
-      <p:bldP spid="21" grpId="0" animBg="1"/>
-      <p:bldP spid="21" grpId="1" animBg="1"/>
       <p:bldP spid="15" grpId="0" animBg="1"/>
       <p:bldP spid="13" grpId="0" animBg="1"/>
     </p:bldLst>
@@ -20310,30 +19503,35 @@
           <a:p>
             <a:r>
               <a:rPr lang="es-ES" dirty="0" smtClean="0"/>
-              <a:t>El sistema también cuenta con rutas para lectura/escritura de alertas para integrarlo con cualquier otro sistema:</a:t>
+              <a:t>El sistema también cuenta con </a:t>
+            </a:r>
+            <a:r>
+              <a:rPr lang="es-ES" dirty="0" smtClean="0"/>
+              <a:t>accesos de </a:t>
+            </a:r>
+            <a:r>
+              <a:rPr lang="es-ES" dirty="0" smtClean="0"/>
+              <a:t>lectura/escritura de alertas para integrarlo con cualquier otro sistema:</a:t>
             </a:r>
           </a:p>
           <a:p>
             <a:pPr lvl="1"/>
             <a:r>
               <a:rPr lang="es-ES" dirty="0" smtClean="0"/>
-              <a:t>http://BASE_URL/api/alerts/FireAlert?zip=30850</a:t>
+              <a:t>http://</a:t>
+            </a:r>
+            <a:r>
+              <a:rPr lang="es-ES" dirty="0" smtClean="0"/>
+              <a:t>BASE_URL/api/alerts/FireAlert</a:t>
             </a:r>
           </a:p>
           <a:p>
             <a:pPr lvl="1"/>
             <a:r>
               <a:rPr lang="es-ES" dirty="0" smtClean="0"/>
-              <a:t>http</a:t>
+              <a:t>http://BASE_URL/api/alerts/FloodAlert?latitude38,006480&amp;longitude=-1,145728</a:t>
             </a:r>
-            <a:r>
-              <a:rPr lang="es-ES" dirty="0"/>
-              <a:t>://</a:t>
-            </a:r>
-            <a:r>
-              <a:rPr lang="es-ES" dirty="0" smtClean="0"/>
-              <a:t>BASE_URL/api/alerts/FloodAlert?latitude38,006480&amp;longitude=-1,145728</a:t>
-            </a:r>
+            <a:endParaRPr lang="es-ES" dirty="0" smtClean="0"/>
           </a:p>
         </p:txBody>
       </p:sp>
@@ -20623,6 +19821,21 @@
 </file>
 
 <file path=customXml/item1.xml><?xml version="1.0" encoding="utf-8"?>
+<?mso-contentType ?>
+<FormTemplates xmlns="http://schemas.microsoft.com/sharepoint/v3/contenttype/forms">
+  <Display>DocumentLibraryForm</Display>
+  <Edit>DocumentLibraryForm</Edit>
+  <New>DocumentLibraryForm</New>
+</FormTemplates>
+</file>
+
+<file path=customXml/item2.xml><?xml version="1.0" encoding="utf-8"?>
+<p:properties xmlns:p="http://schemas.microsoft.com/office/2006/metadata/properties" xmlns:xsi="http://www.w3.org/2001/XMLSchema-instance" xmlns:pc="http://schemas.microsoft.com/office/infopath/2007/PartnerControls">
+  <documentManagement/>
+</p:properties>
+</file>
+
+<file path=customXml/item3.xml><?xml version="1.0" encoding="utf-8"?>
 <ct:contentTypeSchema xmlns:ct="http://schemas.microsoft.com/office/2006/metadata/contentType" xmlns:ma="http://schemas.microsoft.com/office/2006/metadata/properties/metaAttributes" ct:_="" ma:_="" ma:contentTypeName="Documento" ma:contentTypeID="0x010100E3FD2FFA77482745B6FBB0D12C664289" ma:contentTypeVersion="2" ma:contentTypeDescription="Crear nuevo documento." ma:contentTypeScope="" ma:versionID="230209e1f19c8dabcbde64a66cd42759">
   <xsd:schema xmlns:xsd="http://www.w3.org/2001/XMLSchema" xmlns:xs="http://www.w3.org/2001/XMLSchema" xmlns:p="http://schemas.microsoft.com/office/2006/metadata/properties" xmlns:ns2="0e23858f-3dcf-44e3-9897-9cfaf4025768" targetNamespace="http://schemas.microsoft.com/office/2006/metadata/properties" ma:root="true" ma:fieldsID="42966af423c5044f6c0d5a97827c01c9" ns2:_="">
     <xsd:import namespace="0e23858f-3dcf-44e3-9897-9cfaf4025768"/>
@@ -20754,35 +19967,10 @@
 </ct:contentTypeSchema>
 </file>
 
-<file path=customXml/item2.xml><?xml version="1.0" encoding="utf-8"?>
-<p:properties xmlns:p="http://schemas.microsoft.com/office/2006/metadata/properties" xmlns:xsi="http://www.w3.org/2001/XMLSchema-instance" xmlns:pc="http://schemas.microsoft.com/office/infopath/2007/PartnerControls">
-  <documentManagement/>
-</p:properties>
-</file>
-
-<file path=customXml/item3.xml><?xml version="1.0" encoding="utf-8"?>
-<?mso-contentType ?>
-<FormTemplates xmlns="http://schemas.microsoft.com/sharepoint/v3/contenttype/forms">
-  <Display>DocumentLibraryForm</Display>
-  <Edit>DocumentLibraryForm</Edit>
-  <New>DocumentLibraryForm</New>
-</FormTemplates>
-</file>
-
 <file path=customXml/itemProps1.xml><?xml version="1.0" encoding="utf-8"?>
-<ds:datastoreItem xmlns:ds="http://schemas.openxmlformats.org/officeDocument/2006/customXml" ds:itemID="{1F0583A3-A68A-45E6-9C61-04A6E758B3D3}">
+<ds:datastoreItem xmlns:ds="http://schemas.openxmlformats.org/officeDocument/2006/customXml" ds:itemID="{AFA05530-0BA0-4DF2-8D28-826EE07CF1E1}">
   <ds:schemaRefs>
-    <ds:schemaRef ds:uri="http://schemas.microsoft.com/office/2006/metadata/contentType"/>
-    <ds:schemaRef ds:uri="http://schemas.microsoft.com/office/2006/metadata/properties/metaAttributes"/>
-    <ds:schemaRef ds:uri="http://www.w3.org/2001/XMLSchema"/>
-    <ds:schemaRef ds:uri="http://schemas.microsoft.com/office/2006/metadata/properties"/>
-    <ds:schemaRef ds:uri="0e23858f-3dcf-44e3-9897-9cfaf4025768"/>
-    <ds:schemaRef ds:uri="http://schemas.microsoft.com/office/2006/documentManagement/types"/>
-    <ds:schemaRef ds:uri="http://schemas.microsoft.com/office/infopath/2007/PartnerControls"/>
-    <ds:schemaRef ds:uri="http://schemas.openxmlformats.org/package/2006/metadata/core-properties"/>
-    <ds:schemaRef ds:uri="http://purl.org/dc/elements/1.1/"/>
-    <ds:schemaRef ds:uri="http://purl.org/dc/terms/"/>
-    <ds:schemaRef ds:uri="http://schemas.microsoft.com/internal/obd"/>
+    <ds:schemaRef ds:uri="http://schemas.microsoft.com/sharepoint/v3/contenttype/forms"/>
   </ds:schemaRefs>
 </ds:datastoreItem>
 </file>
@@ -20804,9 +19992,19 @@
 </file>
 
 <file path=customXml/itemProps3.xml><?xml version="1.0" encoding="utf-8"?>
-<ds:datastoreItem xmlns:ds="http://schemas.openxmlformats.org/officeDocument/2006/customXml" ds:itemID="{AFA05530-0BA0-4DF2-8D28-826EE07CF1E1}">
+<ds:datastoreItem xmlns:ds="http://schemas.openxmlformats.org/officeDocument/2006/customXml" ds:itemID="{1F0583A3-A68A-45E6-9C61-04A6E758B3D3}">
   <ds:schemaRefs>
-    <ds:schemaRef ds:uri="http://schemas.microsoft.com/sharepoint/v3/contenttype/forms"/>
+    <ds:schemaRef ds:uri="http://schemas.microsoft.com/office/2006/metadata/contentType"/>
+    <ds:schemaRef ds:uri="http://schemas.microsoft.com/office/2006/metadata/properties/metaAttributes"/>
+    <ds:schemaRef ds:uri="http://www.w3.org/2001/XMLSchema"/>
+    <ds:schemaRef ds:uri="http://schemas.microsoft.com/office/2006/metadata/properties"/>
+    <ds:schemaRef ds:uri="0e23858f-3dcf-44e3-9897-9cfaf4025768"/>
+    <ds:schemaRef ds:uri="http://schemas.microsoft.com/office/2006/documentManagement/types"/>
+    <ds:schemaRef ds:uri="http://schemas.microsoft.com/office/infopath/2007/PartnerControls"/>
+    <ds:schemaRef ds:uri="http://schemas.openxmlformats.org/package/2006/metadata/core-properties"/>
+    <ds:schemaRef ds:uri="http://purl.org/dc/elements/1.1/"/>
+    <ds:schemaRef ds:uri="http://purl.org/dc/terms/"/>
+    <ds:schemaRef ds:uri="http://schemas.microsoft.com/internal/obd"/>
   </ds:schemaRefs>
 </ds:datastoreItem>
 </file>
--- a/Documentation/project_slide.pptx
+++ b/Documentation/project_slide.pptx
@@ -767,7 +767,7 @@
           <a:p>
             <a:fld id="{4AAD347D-5ACD-4C99-B74B-A9C85AD731AF}" type="datetimeFigureOut">
               <a:rPr lang="en-US" smtClean="0"/>
-              <a:t>20-Oct-19</a:t>
+              <a:t>21-Oct-19</a:t>
             </a:fld>
             <a:endParaRPr lang="en-US" dirty="0"/>
           </a:p>
@@ -1887,7 +1887,7 @@
           <a:p>
             <a:fld id="{4509A250-FF31-4206-8172-F9D3106AACB1}" type="datetimeFigureOut">
               <a:rPr lang="en-US" smtClean="0"/>
-              <a:t>20-Oct-19</a:t>
+              <a:t>21-Oct-19</a:t>
             </a:fld>
             <a:endParaRPr lang="en-US" dirty="0"/>
           </a:p>
@@ -2898,7 +2898,7 @@
           <a:p>
             <a:fld id="{4509A250-FF31-4206-8172-F9D3106AACB1}" type="datetimeFigureOut">
               <a:rPr lang="en-US" smtClean="0"/>
-              <a:t>20-Oct-19</a:t>
+              <a:t>21-Oct-19</a:t>
             </a:fld>
             <a:endParaRPr lang="en-US" dirty="0"/>
           </a:p>
@@ -4068,7 +4068,7 @@
           <a:p>
             <a:fld id="{4509A250-FF31-4206-8172-F9D3106AACB1}" type="datetimeFigureOut">
               <a:rPr lang="en-US" smtClean="0"/>
-              <a:t>20-Oct-19</a:t>
+              <a:t>21-Oct-19</a:t>
             </a:fld>
             <a:endParaRPr lang="en-US" dirty="0"/>
           </a:p>
@@ -5129,7 +5129,7 @@
           <a:p>
             <a:fld id="{4509A250-FF31-4206-8172-F9D3106AACB1}" type="datetimeFigureOut">
               <a:rPr lang="en-US" smtClean="0"/>
-              <a:t>20-Oct-19</a:t>
+              <a:t>21-Oct-19</a:t>
             </a:fld>
             <a:endParaRPr lang="en-US" dirty="0"/>
           </a:p>
@@ -5775,7 +5775,7 @@
           <a:p>
             <a:fld id="{4509A250-FF31-4206-8172-F9D3106AACB1}" type="datetimeFigureOut">
               <a:rPr lang="en-US" smtClean="0"/>
-              <a:t>20-Oct-19</a:t>
+              <a:t>21-Oct-19</a:t>
             </a:fld>
             <a:endParaRPr lang="en-US" dirty="0"/>
           </a:p>
@@ -6622,7 +6622,7 @@
           <a:p>
             <a:fld id="{4509A250-FF31-4206-8172-F9D3106AACB1}" type="datetimeFigureOut">
               <a:rPr lang="en-US" smtClean="0"/>
-              <a:t>20-Oct-19</a:t>
+              <a:t>21-Oct-19</a:t>
             </a:fld>
             <a:endParaRPr lang="en-US" dirty="0"/>
           </a:p>
@@ -6797,7 +6797,7 @@
           <a:p>
             <a:fld id="{4509A250-FF31-4206-8172-F9D3106AACB1}" type="datetimeFigureOut">
               <a:rPr lang="en-US" smtClean="0"/>
-              <a:t>20-Oct-19</a:t>
+              <a:t>21-Oct-19</a:t>
             </a:fld>
             <a:endParaRPr lang="en-US" dirty="0"/>
           </a:p>
@@ -7795,7 +7795,7 @@
           <a:p>
             <a:fld id="{4509A250-FF31-4206-8172-F9D3106AACB1}" type="datetimeFigureOut">
               <a:rPr lang="en-US" smtClean="0"/>
-              <a:t>20-Oct-19</a:t>
+              <a:t>21-Oct-19</a:t>
             </a:fld>
             <a:endParaRPr lang="en-US" dirty="0"/>
           </a:p>
@@ -8001,7 +8001,7 @@
           <a:p>
             <a:fld id="{4509A250-FF31-4206-8172-F9D3106AACB1}" type="datetimeFigureOut">
               <a:rPr lang="en-US" smtClean="0"/>
-              <a:t>20-Oct-19</a:t>
+              <a:t>21-Oct-19</a:t>
             </a:fld>
             <a:endParaRPr lang="en-US" dirty="0"/>
           </a:p>
@@ -9063,7 +9063,7 @@
           <a:p>
             <a:fld id="{9796027F-7875-4030-9381-8BD8C4F21935}" type="datetimeFigureOut">
               <a:rPr lang="en-US" smtClean="0"/>
-              <a:t>20-Oct-19</a:t>
+              <a:t>21-Oct-19</a:t>
             </a:fld>
             <a:endParaRPr lang="en-US" dirty="0"/>
           </a:p>
@@ -9335,7 +9335,7 @@
           <a:p>
             <a:fld id="{9796027F-7875-4030-9381-8BD8C4F21935}" type="datetimeFigureOut">
               <a:rPr lang="en-US" smtClean="0"/>
-              <a:t>20-Oct-19</a:t>
+              <a:t>21-Oct-19</a:t>
             </a:fld>
             <a:endParaRPr lang="en-US" dirty="0"/>
           </a:p>
@@ -9717,7 +9717,7 @@
           <a:p>
             <a:fld id="{9796027F-7875-4030-9381-8BD8C4F21935}" type="datetimeFigureOut">
               <a:rPr lang="en-US" smtClean="0"/>
-              <a:t>20-Oct-19</a:t>
+              <a:t>21-Oct-19</a:t>
             </a:fld>
             <a:endParaRPr lang="en-US" dirty="0"/>
           </a:p>
@@ -9835,7 +9835,7 @@
           <a:p>
             <a:fld id="{4509A250-FF31-4206-8172-F9D3106AACB1}" type="datetimeFigureOut">
               <a:rPr lang="en-US" smtClean="0"/>
-              <a:t>20-Oct-19</a:t>
+              <a:t>21-Oct-19</a:t>
             </a:fld>
             <a:endParaRPr lang="en-US" dirty="0"/>
           </a:p>
@@ -9930,7 +9930,7 @@
           <a:p>
             <a:fld id="{4509A250-FF31-4206-8172-F9D3106AACB1}" type="datetimeFigureOut">
               <a:rPr lang="en-US" smtClean="0"/>
-              <a:t>20-Oct-19</a:t>
+              <a:t>21-Oct-19</a:t>
             </a:fld>
             <a:endParaRPr lang="en-US" dirty="0"/>
           </a:p>
@@ -11039,7 +11039,7 @@
           <a:p>
             <a:fld id="{4509A250-FF31-4206-8172-F9D3106AACB1}" type="datetimeFigureOut">
               <a:rPr lang="en-US" smtClean="0"/>
-              <a:t>20-Oct-19</a:t>
+              <a:t>21-Oct-19</a:t>
             </a:fld>
             <a:endParaRPr lang="en-US" dirty="0"/>
           </a:p>
@@ -12172,7 +12172,7 @@
           <a:p>
             <a:fld id="{4509A250-FF31-4206-8172-F9D3106AACB1}" type="datetimeFigureOut">
               <a:rPr lang="en-US" smtClean="0"/>
-              <a:t>20-Oct-19</a:t>
+              <a:t>21-Oct-19</a:t>
             </a:fld>
             <a:endParaRPr lang="en-US" dirty="0"/>
           </a:p>
@@ -13200,7 +13200,7 @@
           <a:p>
             <a:fld id="{4AAD347D-5ACD-4C99-B74B-A9C85AD731AF}" type="datetimeFigureOut">
               <a:rPr lang="en-US" smtClean="0"/>
-              <a:t>20-Oct-19</a:t>
+              <a:t>21-Oct-19</a:t>
             </a:fld>
             <a:endParaRPr lang="en-US" dirty="0"/>
           </a:p>
@@ -13801,8 +13801,20 @@
           <a:lstStyle/>
           <a:p>
             <a:r>
-              <a:rPr lang="es-ES" dirty="0" smtClean="0"/>
-              <a:t>Red de emergencia colaborativa</a:t>
+              <a:rPr lang="es-ES" dirty="0" err="1"/>
+              <a:t>Collaborative</a:t>
+            </a:r>
+            <a:r>
+              <a:rPr lang="es-ES" dirty="0"/>
+              <a:t> </a:t>
+            </a:r>
+            <a:r>
+              <a:rPr lang="es-ES" dirty="0" err="1"/>
+              <a:t>Emergency</a:t>
+            </a:r>
+            <a:r>
+              <a:rPr lang="es-ES" dirty="0"/>
+              <a:t> Network</a:t>
             </a:r>
             <a:endParaRPr lang="es-ES" dirty="0"/>
           </a:p>
@@ -13955,11 +13967,7 @@
             </a:r>
             <a:r>
               <a:rPr lang="en-US" dirty="0" err="1" smtClean="0"/>
-              <a:t>S</a:t>
-            </a:r>
-            <a:r>
-              <a:rPr lang="en-US" dirty="0" err="1" smtClean="0"/>
-              <a:t>paceApps</a:t>
+              <a:t>SpaceApps</a:t>
             </a:r>
             <a:r>
               <a:rPr lang="en-US" dirty="0" smtClean="0"/>
@@ -14094,35 +14102,24 @@
           <a:lstStyle/>
           <a:p>
             <a:r>
-              <a:rPr lang="en-US" sz="2200" b="1" dirty="0" err="1" smtClean="0"/>
-              <a:t>Reto</a:t>
-            </a:r>
-            <a:r>
               <a:rPr lang="en-US" sz="2200" dirty="0" smtClean="0"/>
-              <a:t> </a:t>
-            </a:r>
-            <a:r>
-              <a:rPr lang="en-US" sz="2200" dirty="0" err="1" smtClean="0"/>
-              <a:t>seleccionado</a:t>
+              <a:t>Chosen</a:t>
+            </a:r>
+            <a:r>
+              <a:rPr lang="en-US" sz="2200" b="1" dirty="0" smtClean="0"/>
+              <a:t> challenge</a:t>
             </a:r>
             <a:r>
               <a:rPr lang="en-US" sz="2200" dirty="0" smtClean="0"/>
               <a:t>:</a:t>
             </a:r>
+            <a:endParaRPr lang="en-US" sz="2200" dirty="0" smtClean="0"/>
           </a:p>
           <a:p>
             <a:pPr lvl="1"/>
             <a:r>
               <a:rPr lang="en-US" sz="2200" dirty="0" smtClean="0"/>
-              <a:t>From Curious Minds Come Helping </a:t>
-            </a:r>
-            <a:r>
-              <a:rPr lang="en-US" sz="2200" dirty="0" smtClean="0"/>
-              <a:t>Hands</a:t>
-            </a:r>
-            <a:r>
-              <a:rPr lang="en-US" sz="2200" dirty="0" smtClean="0"/>
-              <a:t/>
+              <a:t>From Curious Minds Come Helping Hands</a:t>
             </a:r>
             <a:br>
               <a:rPr lang="en-US" sz="2200" dirty="0" smtClean="0"/>
@@ -14132,66 +14129,23 @@
           <a:p>
             <a:r>
               <a:rPr lang="en-US" sz="2200" dirty="0" smtClean="0"/>
-              <a:t>El </a:t>
-            </a:r>
-            <a:r>
-              <a:rPr lang="en-US" sz="2200" b="1" dirty="0" err="1" smtClean="0"/>
-              <a:t>problema</a:t>
+              <a:t>The </a:t>
+            </a:r>
+            <a:r>
+              <a:rPr lang="en-US" sz="2200" b="1" dirty="0" smtClean="0"/>
+              <a:t>issue</a:t>
             </a:r>
             <a:r>
               <a:rPr lang="en-US" sz="2200" dirty="0" smtClean="0"/>
-              <a:t> al que </a:t>
-            </a:r>
-            <a:r>
-              <a:rPr lang="en-US" sz="2200" dirty="0" err="1" smtClean="0"/>
-              <a:t>nos</a:t>
-            </a:r>
-            <a:r>
-              <a:rPr lang="en-US" sz="2200" dirty="0" smtClean="0"/>
-              <a:t> </a:t>
-            </a:r>
-            <a:r>
-              <a:rPr lang="en-US" sz="2200" dirty="0" err="1" smtClean="0"/>
-              <a:t>enfrentamos</a:t>
-            </a:r>
-            <a:r>
-              <a:rPr lang="en-US" sz="2200" dirty="0" smtClean="0"/>
-              <a:t>:</a:t>
-            </a:r>
+              <a:t> we are facing:</a:t>
+            </a:r>
+            <a:endParaRPr lang="en-US" sz="2200" dirty="0" smtClean="0"/>
           </a:p>
           <a:p>
             <a:pPr lvl="1"/>
             <a:r>
-              <a:rPr lang="en-US" sz="2200" dirty="0" err="1" smtClean="0"/>
-              <a:t>Falta</a:t>
-            </a:r>
-            <a:r>
-              <a:rPr lang="en-US" sz="2200" dirty="0" smtClean="0"/>
-              <a:t> de </a:t>
-            </a:r>
-            <a:r>
-              <a:rPr lang="en-US" sz="2200" dirty="0" err="1" smtClean="0"/>
-              <a:t>información</a:t>
-            </a:r>
-            <a:r>
-              <a:rPr lang="en-US" sz="2200" dirty="0" smtClean="0"/>
-              <a:t> ante </a:t>
-            </a:r>
-            <a:r>
-              <a:rPr lang="en-US" sz="2200" dirty="0" err="1" smtClean="0"/>
-              <a:t>situaciones</a:t>
-            </a:r>
-            <a:r>
-              <a:rPr lang="en-US" sz="2200" dirty="0" smtClean="0"/>
-              <a:t> de </a:t>
-            </a:r>
-            <a:r>
-              <a:rPr lang="en-US" sz="2200" dirty="0" err="1" smtClean="0"/>
-              <a:t>emergencia</a:t>
-            </a:r>
-            <a:r>
-              <a:rPr lang="en-US" sz="2200" dirty="0" smtClean="0"/>
-              <a:t>.</a:t>
+              <a:rPr lang="en-US" sz="2200" dirty="0"/>
+              <a:t>Lack of information in emergency situations.</a:t>
             </a:r>
             <a:r>
               <a:rPr lang="en-US" sz="2200" dirty="0" smtClean="0"/>
@@ -14204,16 +14158,12 @@
           </a:p>
           <a:p>
             <a:r>
-              <a:rPr lang="en-US" sz="2200" dirty="0" err="1"/>
-              <a:t>Nuestra</a:t>
-            </a:r>
-            <a:r>
-              <a:rPr lang="en-US" sz="2200" dirty="0"/>
-              <a:t> </a:t>
-            </a:r>
-            <a:r>
-              <a:rPr lang="en-US" sz="2200" b="1" dirty="0" err="1" smtClean="0"/>
-              <a:t>solución</a:t>
+              <a:rPr lang="en-US" sz="2200" dirty="0" smtClean="0"/>
+              <a:t>Our </a:t>
+            </a:r>
+            <a:r>
+              <a:rPr lang="en-US" sz="2200" b="1" dirty="0" smtClean="0"/>
+              <a:t>solution</a:t>
             </a:r>
             <a:r>
               <a:rPr lang="en-US" sz="2200" dirty="0" smtClean="0"/>
@@ -14224,80 +14174,8 @@
           <a:p>
             <a:pPr lvl="1"/>
             <a:r>
-              <a:rPr lang="en-US" sz="2200" dirty="0" err="1" smtClean="0"/>
-              <a:t>Desarrollo</a:t>
-            </a:r>
-            <a:r>
               <a:rPr lang="en-US" sz="2200" dirty="0" smtClean="0"/>
-              <a:t> de </a:t>
-            </a:r>
-            <a:r>
-              <a:rPr lang="en-US" sz="2200" dirty="0" err="1" smtClean="0"/>
-              <a:t>una</a:t>
-            </a:r>
-            <a:r>
-              <a:rPr lang="en-US" sz="2200" dirty="0" smtClean="0"/>
-              <a:t> </a:t>
-            </a:r>
-            <a:r>
-              <a:rPr lang="en-US" sz="2200" dirty="0" err="1" smtClean="0"/>
-              <a:t>aplicación</a:t>
-            </a:r>
-            <a:r>
-              <a:rPr lang="en-US" sz="2200" dirty="0" smtClean="0"/>
-              <a:t> que </a:t>
-            </a:r>
-            <a:r>
-              <a:rPr lang="en-US" sz="2200" dirty="0" err="1" smtClean="0"/>
-              <a:t>ubica</a:t>
-            </a:r>
-            <a:r>
-              <a:rPr lang="en-US" sz="2200" dirty="0" smtClean="0"/>
-              <a:t> </a:t>
-            </a:r>
-            <a:r>
-              <a:rPr lang="en-US" sz="2200" dirty="0" err="1" smtClean="0"/>
-              <a:t>en</a:t>
-            </a:r>
-            <a:r>
-              <a:rPr lang="en-US" sz="2200" dirty="0" smtClean="0"/>
-              <a:t> </a:t>
-            </a:r>
-            <a:r>
-              <a:rPr lang="en-US" sz="2200" dirty="0" err="1" smtClean="0"/>
-              <a:t>tiempo</a:t>
-            </a:r>
-            <a:r>
-              <a:rPr lang="en-US" sz="2200" dirty="0"/>
-              <a:t> </a:t>
-            </a:r>
-            <a:r>
-              <a:rPr lang="en-US" sz="2200" dirty="0" smtClean="0"/>
-              <a:t>real a personas </a:t>
-            </a:r>
-            <a:r>
-              <a:rPr lang="en-US" sz="2200" dirty="0" err="1" smtClean="0"/>
-              <a:t>afectadas</a:t>
-            </a:r>
-            <a:r>
-              <a:rPr lang="en-US" sz="2200" dirty="0" smtClean="0"/>
-              <a:t> y </a:t>
-            </a:r>
-            <a:r>
-              <a:rPr lang="en-US" sz="2200" dirty="0" smtClean="0"/>
-              <a:t>zonas </a:t>
-            </a:r>
-            <a:r>
-              <a:rPr lang="en-US" sz="2200" dirty="0" smtClean="0"/>
-              <a:t>de </a:t>
-            </a:r>
-            <a:r>
-              <a:rPr lang="en-US" sz="2200" dirty="0" err="1" smtClean="0"/>
-              <a:t>riesgo</a:t>
-            </a:r>
-            <a:r>
-              <a:rPr lang="en-US" sz="2200" dirty="0" smtClean="0"/>
-              <a:t>.</a:t>
+              <a:t>Develop an application which finds in real time people in danger and hazardous areas</a:t>
             </a:r>
             <a:endParaRPr lang="en-US" sz="2400" dirty="0"/>
           </a:p>
@@ -14497,28 +14375,8 @@
           <a:p>
             <a:pPr algn="ctr"/>
             <a:r>
-              <a:rPr lang="en-US" dirty="0" err="1" smtClean="0"/>
-              <a:t>Área</a:t>
-            </a:r>
-            <a:r>
               <a:rPr lang="en-US" dirty="0" smtClean="0"/>
-              <a:t> </a:t>
-            </a:r>
-            <a:r>
-              <a:rPr lang="en-US" dirty="0" err="1" smtClean="0"/>
-              <a:t>en</a:t>
-            </a:r>
-            <a:r>
-              <a:rPr lang="en-US" dirty="0" smtClean="0"/>
-              <a:t> </a:t>
-            </a:r>
-            <a:r>
-              <a:rPr lang="en-US" dirty="0" err="1" smtClean="0"/>
-              <a:t>peligro</a:t>
-            </a:r>
-            <a:r>
-              <a:rPr lang="en-US" dirty="0" smtClean="0"/>
-              <a:t> </a:t>
+              <a:t>Hazard area</a:t>
             </a:r>
             <a:endParaRPr lang="en-US" dirty="0"/>
           </a:p>
@@ -15007,8 +14865,8 @@
         </p:nvSpPr>
         <p:spPr>
           <a:xfrm>
-            <a:off x="941833" y="973668"/>
-            <a:ext cx="9226296" cy="706964"/>
+            <a:off x="941832" y="973668"/>
+            <a:ext cx="9500615" cy="706964"/>
           </a:xfrm>
         </p:spPr>
         <p:txBody>
@@ -15016,10 +14874,38 @@
           <a:lstStyle/>
           <a:p>
             <a:r>
-              <a:rPr lang="es-ES" dirty="0" smtClean="0"/>
-              <a:t>Safety Network: información de usuarios</a:t>
-            </a:r>
-            <a:endParaRPr lang="es-ES" dirty="0"/>
+              <a:rPr lang="es-ES" sz="3200" dirty="0" smtClean="0"/>
+              <a:t>Safety Network: </a:t>
+            </a:r>
+            <a:r>
+              <a:rPr lang="es-ES" sz="3200" dirty="0" err="1" smtClean="0"/>
+              <a:t>information</a:t>
+            </a:r>
+            <a:r>
+              <a:rPr lang="es-ES" sz="3200" dirty="0" smtClean="0"/>
+              <a:t> </a:t>
+            </a:r>
+            <a:r>
+              <a:rPr lang="es-ES" sz="3200" dirty="0" err="1" smtClean="0"/>
+              <a:t>coming</a:t>
+            </a:r>
+            <a:r>
+              <a:rPr lang="es-ES" sz="3200" dirty="0" smtClean="0"/>
+              <a:t> </a:t>
+            </a:r>
+            <a:r>
+              <a:rPr lang="es-ES" sz="3200" dirty="0" err="1" smtClean="0"/>
+              <a:t>from</a:t>
+            </a:r>
+            <a:r>
+              <a:rPr lang="es-ES" sz="3200" dirty="0" smtClean="0"/>
+              <a:t> </a:t>
+            </a:r>
+            <a:r>
+              <a:rPr lang="es-ES" sz="3200" dirty="0" err="1" smtClean="0"/>
+              <a:t>users</a:t>
+            </a:r>
+            <a:endParaRPr lang="es-ES" sz="3200" dirty="0"/>
           </a:p>
         </p:txBody>
       </p:sp>
@@ -15734,8 +15620,8 @@
           <a:p>
             <a:pPr algn="ctr"/>
             <a:r>
-              <a:rPr lang="es-ES" dirty="0" smtClean="0"/>
-              <a:t>Área en peligro</a:t>
+              <a:rPr lang="en-US" dirty="0" smtClean="0"/>
+              <a:t>Hazard area</a:t>
             </a:r>
             <a:endParaRPr lang="en-US" dirty="0"/>
           </a:p>
@@ -15898,8 +15784,16 @@
           <a:p>
             <a:pPr algn="ctr"/>
             <a:r>
+              <a:rPr lang="es-ES" dirty="0" err="1" smtClean="0"/>
+              <a:t>Hazard</a:t>
+            </a:r>
+            <a:r>
               <a:rPr lang="es-ES" dirty="0" smtClean="0"/>
-              <a:t>Área en peligro</a:t>
+              <a:t> </a:t>
+            </a:r>
+            <a:r>
+              <a:rPr lang="es-ES" dirty="0" err="1" smtClean="0"/>
+              <a:t>area</a:t>
             </a:r>
             <a:endParaRPr lang="en-US" dirty="0"/>
           </a:p>
@@ -16037,8 +15931,8 @@
         </p:nvSpPr>
         <p:spPr>
           <a:xfrm>
-            <a:off x="941833" y="973668"/>
-            <a:ext cx="9226296" cy="706964"/>
+            <a:off x="941832" y="973668"/>
+            <a:ext cx="9784079" cy="706964"/>
           </a:xfrm>
         </p:spPr>
         <p:txBody>
@@ -16046,10 +15940,38 @@
           <a:lstStyle/>
           <a:p>
             <a:r>
-              <a:rPr lang="es-ES" dirty="0" smtClean="0"/>
-              <a:t>Safety Network: información de usuarios</a:t>
-            </a:r>
-            <a:endParaRPr lang="es-ES" dirty="0"/>
+              <a:rPr lang="es-ES" sz="3200" dirty="0"/>
+              <a:t>Safety Network: </a:t>
+            </a:r>
+            <a:r>
+              <a:rPr lang="es-ES" sz="3200" dirty="0" err="1"/>
+              <a:t>information</a:t>
+            </a:r>
+            <a:r>
+              <a:rPr lang="es-ES" sz="3200" dirty="0"/>
+              <a:t> </a:t>
+            </a:r>
+            <a:r>
+              <a:rPr lang="es-ES" sz="3200" dirty="0" err="1"/>
+              <a:t>coming</a:t>
+            </a:r>
+            <a:r>
+              <a:rPr lang="es-ES" sz="3200" dirty="0"/>
+              <a:t> </a:t>
+            </a:r>
+            <a:r>
+              <a:rPr lang="es-ES" sz="3200" dirty="0" err="1"/>
+              <a:t>from</a:t>
+            </a:r>
+            <a:r>
+              <a:rPr lang="es-ES" sz="3200" dirty="0"/>
+              <a:t> </a:t>
+            </a:r>
+            <a:r>
+              <a:rPr lang="es-ES" sz="3200" dirty="0" err="1"/>
+              <a:t>users</a:t>
+            </a:r>
+            <a:endParaRPr lang="es-ES" sz="3200" dirty="0"/>
           </a:p>
         </p:txBody>
       </p:sp>
@@ -17148,10 +17070,30 @@
           <a:lstStyle/>
           <a:p>
             <a:r>
-              <a:rPr lang="es-ES" dirty="0" smtClean="0"/>
-              <a:t>Safety Network: ejemplo de propagación</a:t>
-            </a:r>
-            <a:endParaRPr lang="es-ES" dirty="0"/>
+              <a:rPr lang="es-ES" sz="3200" dirty="0" smtClean="0"/>
+              <a:t>Safety Network: </a:t>
+            </a:r>
+            <a:r>
+              <a:rPr lang="es-ES" sz="3200" dirty="0" err="1" smtClean="0"/>
+              <a:t>example</a:t>
+            </a:r>
+            <a:r>
+              <a:rPr lang="es-ES" sz="3200" dirty="0" smtClean="0"/>
+              <a:t> of </a:t>
+            </a:r>
+            <a:r>
+              <a:rPr lang="es-ES" sz="3200" dirty="0" err="1" smtClean="0"/>
+              <a:t>alert</a:t>
+            </a:r>
+            <a:r>
+              <a:rPr lang="es-ES" sz="3200" dirty="0" smtClean="0"/>
+              <a:t> </a:t>
+            </a:r>
+            <a:r>
+              <a:rPr lang="es-ES" sz="3200" dirty="0" err="1" smtClean="0"/>
+              <a:t>propagation</a:t>
+            </a:r>
+            <a:endParaRPr lang="es-ES" sz="3200" dirty="0"/>
           </a:p>
         </p:txBody>
       </p:sp>
@@ -17875,8 +17817,16 @@
               <a:t>Safety Network: </a:t>
             </a:r>
             <a:r>
+              <a:rPr lang="es-ES" dirty="0" err="1" smtClean="0"/>
+              <a:t>our</a:t>
+            </a:r>
+            <a:r>
               <a:rPr lang="es-ES" dirty="0" smtClean="0"/>
-              <a:t>aplicación móvil</a:t>
+              <a:t> </a:t>
+            </a:r>
+            <a:r>
+              <a:rPr lang="es-ES" dirty="0" err="1" smtClean="0"/>
+              <a:t>application</a:t>
             </a:r>
             <a:endParaRPr lang="de-DE" dirty="0"/>
           </a:p>
@@ -18109,8 +18059,16 @@
           <a:p>
             <a:pPr algn="ctr"/>
             <a:r>
+              <a:rPr lang="es-ES" dirty="0" err="1" smtClean="0"/>
+              <a:t>Hazard</a:t>
+            </a:r>
+            <a:r>
               <a:rPr lang="es-ES" dirty="0" smtClean="0"/>
-              <a:t>Área en peligro</a:t>
+              <a:t> </a:t>
+            </a:r>
+            <a:r>
+              <a:rPr lang="es-ES" dirty="0" err="1" smtClean="0"/>
+              <a:t>area</a:t>
             </a:r>
             <a:endParaRPr lang="en-US" dirty="0"/>
           </a:p>
@@ -18133,10 +18091,86 @@
           <a:p>
             <a:pPr algn="ctr"/>
             <a:r>
-              <a:rPr lang="es-ES" dirty="0" smtClean="0"/>
-              <a:t>Safety Network: información desde servicios de emergencia</a:t>
-            </a:r>
-            <a:endParaRPr lang="es-ES" dirty="0"/>
+              <a:rPr lang="es-ES" sz="2800" dirty="0" smtClean="0"/>
+              <a:t>Safety Network: </a:t>
+            </a:r>
+            <a:r>
+              <a:rPr lang="es-ES" sz="2800" dirty="0" err="1" smtClean="0"/>
+              <a:t>information</a:t>
+            </a:r>
+            <a:r>
+              <a:rPr lang="es-ES" sz="2800" dirty="0" smtClean="0"/>
+              <a:t> </a:t>
+            </a:r>
+            <a:r>
+              <a:rPr lang="es-ES" sz="2800" dirty="0" err="1" smtClean="0"/>
+              <a:t>getting</a:t>
+            </a:r>
+            <a:r>
+              <a:rPr lang="es-ES" sz="2800" dirty="0" smtClean="0"/>
+              <a:t> </a:t>
+            </a:r>
+            <a:r>
+              <a:rPr lang="es-ES" sz="2800" dirty="0" err="1" smtClean="0"/>
+              <a:t>into</a:t>
+            </a:r>
+            <a:r>
+              <a:rPr lang="es-ES" sz="2800" dirty="0" smtClean="0"/>
+              <a:t> </a:t>
+            </a:r>
+            <a:r>
+              <a:rPr lang="es-ES" sz="2800" dirty="0" err="1" smtClean="0"/>
+              <a:t>the</a:t>
+            </a:r>
+            <a:r>
+              <a:rPr lang="es-ES" sz="2800" dirty="0" smtClean="0"/>
+              <a:t> </a:t>
+            </a:r>
+            <a:r>
+              <a:rPr lang="es-ES" sz="2800" dirty="0" err="1" smtClean="0"/>
+              <a:t>system</a:t>
+            </a:r>
+            <a:r>
+              <a:rPr lang="es-ES" sz="2800" dirty="0" smtClean="0"/>
+              <a:t> </a:t>
+            </a:r>
+            <a:r>
+              <a:rPr lang="es-ES" sz="2800" dirty="0" err="1" smtClean="0"/>
+              <a:t>from</a:t>
+            </a:r>
+            <a:r>
+              <a:rPr lang="es-ES" sz="2800" dirty="0" smtClean="0"/>
+              <a:t> </a:t>
+            </a:r>
+            <a:r>
+              <a:rPr lang="es-ES" sz="2800" dirty="0" err="1" smtClean="0"/>
+              <a:t>national</a:t>
+            </a:r>
+            <a:r>
+              <a:rPr lang="es-ES" sz="2800" dirty="0" smtClean="0"/>
+              <a:t> </a:t>
+            </a:r>
+            <a:r>
+              <a:rPr lang="es-ES" sz="2800" dirty="0" err="1" smtClean="0"/>
+              <a:t>emergency</a:t>
+            </a:r>
+            <a:r>
+              <a:rPr lang="es-ES" sz="2800" dirty="0" smtClean="0"/>
+              <a:t> </a:t>
+            </a:r>
+            <a:r>
+              <a:rPr lang="es-ES" sz="2800" dirty="0" err="1" smtClean="0"/>
+              <a:t>services</a:t>
+            </a:r>
+            <a:r>
+              <a:rPr lang="es-ES" sz="2800" dirty="0" smtClean="0"/>
+              <a:t> </a:t>
+            </a:r>
+            <a:r>
+              <a:rPr lang="es-ES" sz="2800" dirty="0" err="1" smtClean="0"/>
+              <a:t>APIs</a:t>
+            </a:r>
+            <a:endParaRPr lang="es-ES" sz="2800" dirty="0"/>
           </a:p>
         </p:txBody>
       </p:sp>
@@ -18758,16 +18792,24 @@
           <a:p>
             <a:pPr algn="ctr"/>
             <a:r>
+              <a:rPr lang="es-ES" dirty="0" err="1" smtClean="0"/>
+              <a:t>Possible</a:t>
+            </a:r>
+            <a:r>
               <a:rPr lang="es-ES" dirty="0" smtClean="0"/>
-              <a:t>Posible </a:t>
+              <a:t> </a:t>
+            </a:r>
+            <a:r>
+              <a:rPr lang="es-ES" dirty="0" err="1" smtClean="0"/>
+              <a:t>hazard</a:t>
             </a:r>
             <a:r>
               <a:rPr lang="es-ES" dirty="0" smtClean="0"/>
-              <a:t>área </a:t>
-            </a:r>
-            <a:r>
-              <a:rPr lang="es-ES" dirty="0" smtClean="0"/>
-              <a:t>en peligro</a:t>
+              <a:t> </a:t>
+            </a:r>
+            <a:r>
+              <a:rPr lang="es-ES" dirty="0" err="1" smtClean="0"/>
+              <a:t>area</a:t>
             </a:r>
             <a:endParaRPr lang="en-US" dirty="0"/>
           </a:p>
@@ -18790,7 +18832,15 @@
           <a:p>
             <a:r>
               <a:rPr lang="es-ES" dirty="0" smtClean="0"/>
-              <a:t>Safety Network: red neuronal</a:t>
+              <a:t>Safety Network: </a:t>
+            </a:r>
+            <a:r>
+              <a:rPr lang="es-ES" dirty="0" smtClean="0"/>
+              <a:t>neuronal </a:t>
+            </a:r>
+            <a:r>
+              <a:rPr lang="es-ES" dirty="0" err="1" smtClean="0"/>
+              <a:t>network</a:t>
             </a:r>
             <a:endParaRPr lang="es-ES" dirty="0"/>
           </a:p>
@@ -19173,7 +19223,15 @@
             <a:pPr algn="ctr"/>
             <a:r>
               <a:rPr lang="es-ES" sz="1050" dirty="0" smtClean="0"/>
-              <a:t>Red neuronal en </a:t>
+              <a:t>Neuronal </a:t>
+            </a:r>
+            <a:r>
+              <a:rPr lang="es-ES" sz="1050" dirty="0" err="1" smtClean="0"/>
+              <a:t>network</a:t>
+            </a:r>
+            <a:r>
+              <a:rPr lang="es-ES" sz="1050" dirty="0" smtClean="0"/>
+              <a:t> in </a:t>
             </a:r>
             <a:r>
               <a:rPr lang="es-ES" sz="1050" dirty="0" err="1" smtClean="0"/>
@@ -19220,12 +19278,20 @@
           <a:p>
             <a:pPr algn="ctr"/>
             <a:r>
+              <a:rPr lang="es-ES" sz="1050" dirty="0" err="1" smtClean="0"/>
+              <a:t>Previous</a:t>
+            </a:r>
+            <a:r>
               <a:rPr lang="es-ES" sz="1050" dirty="0" smtClean="0"/>
-              <a:t>Histórico de </a:t>
+              <a:t> </a:t>
+            </a:r>
+            <a:r>
+              <a:rPr lang="es-ES" sz="1050" dirty="0" err="1" smtClean="0"/>
+              <a:t>alerts</a:t>
             </a:r>
             <a:r>
               <a:rPr lang="es-ES" sz="1050" dirty="0" smtClean="0"/>
-              <a:t>alertas</a:t>
+              <a:t> records</a:t>
             </a:r>
             <a:endParaRPr lang="es-ES" sz="1050" dirty="0"/>
           </a:p>
@@ -19480,7 +19546,23 @@
           <a:p>
             <a:r>
               <a:rPr lang="es-ES" dirty="0" smtClean="0"/>
-              <a:t>Safety Network: API servicios</a:t>
+              <a:t>Safety Network: </a:t>
+            </a:r>
+            <a:r>
+              <a:rPr lang="es-ES" dirty="0" err="1" smtClean="0"/>
+              <a:t>External</a:t>
+            </a:r>
+            <a:r>
+              <a:rPr lang="es-ES" dirty="0" smtClean="0"/>
+              <a:t> </a:t>
+            </a:r>
+            <a:r>
+              <a:rPr lang="es-ES" dirty="0" err="1" smtClean="0"/>
+              <a:t>generic</a:t>
+            </a:r>
+            <a:r>
+              <a:rPr lang="es-ES" dirty="0" smtClean="0"/>
+              <a:t> API</a:t>
             </a:r>
             <a:endParaRPr lang="es-ES" dirty="0"/>
           </a:p>
@@ -19502,36 +19584,140 @@
           <a:lstStyle/>
           <a:p>
             <a:r>
+              <a:rPr lang="es-ES" dirty="0" err="1" smtClean="0"/>
+              <a:t>Our</a:t>
+            </a:r>
+            <a:r>
               <a:rPr lang="es-ES" dirty="0" smtClean="0"/>
-              <a:t>El sistema también cuenta con </a:t>
+              <a:t> </a:t>
+            </a:r>
+            <a:r>
+              <a:rPr lang="es-ES" dirty="0" err="1" smtClean="0"/>
+              <a:t>system</a:t>
+            </a:r>
+            <a:r>
+              <a:rPr lang="es-ES" dirty="0"/>
+              <a:t> </a:t>
             </a:r>
             <a:r>
               <a:rPr lang="es-ES" dirty="0" smtClean="0"/>
-              <a:t>accesos de </a:t>
+              <a:t>has </a:t>
+            </a:r>
+            <a:r>
+              <a:rPr lang="es-ES" dirty="0" err="1" smtClean="0"/>
+              <a:t>the</a:t>
             </a:r>
             <a:r>
               <a:rPr lang="es-ES" dirty="0" smtClean="0"/>
-              <a:t>lectura/escritura de alertas para integrarlo con cualquier otro sistema:</a:t>
-            </a:r>
+              <a:t> </a:t>
+            </a:r>
+            <a:r>
+              <a:rPr lang="es-ES" dirty="0" err="1" smtClean="0"/>
+              <a:t>possibility</a:t>
+            </a:r>
+            <a:r>
+              <a:rPr lang="es-ES" dirty="0" smtClean="0"/>
+              <a:t> of </a:t>
+            </a:r>
+            <a:r>
+              <a:rPr lang="es-ES" dirty="0" err="1" smtClean="0"/>
+              <a:t>external</a:t>
+            </a:r>
+            <a:r>
+              <a:rPr lang="es-ES" dirty="0" smtClean="0"/>
+              <a:t> Reading/</a:t>
+            </a:r>
+            <a:r>
+              <a:rPr lang="es-ES" dirty="0" err="1" smtClean="0"/>
+              <a:t>writing</a:t>
+            </a:r>
+            <a:r>
+              <a:rPr lang="es-ES" dirty="0" smtClean="0"/>
+              <a:t> of </a:t>
+            </a:r>
+            <a:r>
+              <a:rPr lang="es-ES" dirty="0" err="1" smtClean="0"/>
+              <a:t>alerts</a:t>
+            </a:r>
+            <a:r>
+              <a:rPr lang="es-ES" dirty="0" smtClean="0"/>
+              <a:t> so </a:t>
+            </a:r>
+            <a:r>
+              <a:rPr lang="es-ES" dirty="0" err="1" smtClean="0"/>
+              <a:t>that</a:t>
+            </a:r>
+            <a:r>
+              <a:rPr lang="es-ES" dirty="0" smtClean="0"/>
+              <a:t> </a:t>
+            </a:r>
+            <a:r>
+              <a:rPr lang="es-ES" dirty="0" err="1" smtClean="0"/>
+              <a:t>any</a:t>
+            </a:r>
+            <a:r>
+              <a:rPr lang="es-ES" dirty="0" smtClean="0"/>
+              <a:t> </a:t>
+            </a:r>
+            <a:r>
+              <a:rPr lang="es-ES" dirty="0" err="1" smtClean="0"/>
+              <a:t>other</a:t>
+            </a:r>
+            <a:r>
+              <a:rPr lang="es-ES" dirty="0" smtClean="0"/>
+              <a:t> </a:t>
+            </a:r>
+            <a:r>
+              <a:rPr lang="es-ES" dirty="0" err="1" smtClean="0"/>
+              <a:t>system</a:t>
+            </a:r>
+            <a:r>
+              <a:rPr lang="es-ES" dirty="0" smtClean="0"/>
+              <a:t> can be </a:t>
+            </a:r>
+            <a:r>
+              <a:rPr lang="es-ES" dirty="0" err="1" smtClean="0"/>
+              <a:t>integrated</a:t>
+            </a:r>
+            <a:r>
+              <a:rPr lang="es-ES" dirty="0" smtClean="0"/>
+              <a:t> </a:t>
+            </a:r>
+            <a:r>
+              <a:rPr lang="es-ES" dirty="0" err="1" smtClean="0"/>
+              <a:t>with</a:t>
+            </a:r>
+            <a:r>
+              <a:rPr lang="es-ES" dirty="0" smtClean="0"/>
+              <a:t> </a:t>
+            </a:r>
+            <a:r>
+              <a:rPr lang="es-ES" dirty="0" err="1" smtClean="0"/>
+              <a:t>us</a:t>
+            </a:r>
+            <a:r>
+              <a:rPr lang="es-ES" dirty="0" smtClean="0"/>
+              <a:t>:</a:t>
+            </a:r>
+            <a:endParaRPr lang="es-ES" dirty="0" smtClean="0"/>
           </a:p>
           <a:p>
             <a:pPr lvl="1"/>
             <a:r>
               <a:rPr lang="es-ES" dirty="0" smtClean="0"/>
-              <a:t>http://</a:t>
-            </a:r>
+              <a:t>http://BASE_URL/api/alerts/FireAlert</a:t>
+            </a:r>
+          </a:p>
+          <a:p>
+            <a:pPr lvl="1"/>
             <a:r>
               <a:rPr lang="es-ES" dirty="0" smtClean="0"/>
-              <a:t>BASE_URL/api/alerts/FireAlert</a:t>
-            </a:r>
-          </a:p>
-          <a:p>
-            <a:pPr lvl="1"/>
+              <a:t>http</a:t>
+            </a:r>
             <a:r>
               <a:rPr lang="es-ES" dirty="0" smtClean="0"/>
-              <a:t>http://BASE_URL/api/alerts/FloodAlert?latitude38,006480&amp;longitude=-1,145728</a:t>
-            </a:r>
-            <a:endParaRPr lang="es-ES" dirty="0" smtClean="0"/>
+              <a:t>://BASE_URL/api/alerts/FloodAlert?latitude38,006480&amp;longitude=-1,145728</a:t>
+            </a:r>
           </a:p>
         </p:txBody>
       </p:sp>
@@ -19821,21 +20007,6 @@
 </file>
 
 <file path=customXml/item1.xml><?xml version="1.0" encoding="utf-8"?>
-<?mso-contentType ?>
-<FormTemplates xmlns="http://schemas.microsoft.com/sharepoint/v3/contenttype/forms">
-  <Display>DocumentLibraryForm</Display>
-  <Edit>DocumentLibraryForm</Edit>
-  <New>DocumentLibraryForm</New>
-</FormTemplates>
-</file>
-
-<file path=customXml/item2.xml><?xml version="1.0" encoding="utf-8"?>
-<p:properties xmlns:p="http://schemas.microsoft.com/office/2006/metadata/properties" xmlns:xsi="http://www.w3.org/2001/XMLSchema-instance" xmlns:pc="http://schemas.microsoft.com/office/infopath/2007/PartnerControls">
-  <documentManagement/>
-</p:properties>
-</file>
-
-<file path=customXml/item3.xml><?xml version="1.0" encoding="utf-8"?>
 <ct:contentTypeSchema xmlns:ct="http://schemas.microsoft.com/office/2006/metadata/contentType" xmlns:ma="http://schemas.microsoft.com/office/2006/metadata/properties/metaAttributes" ct:_="" ma:_="" ma:contentTypeName="Documento" ma:contentTypeID="0x010100E3FD2FFA77482745B6FBB0D12C664289" ma:contentTypeVersion="2" ma:contentTypeDescription="Crear nuevo documento." ma:contentTypeScope="" ma:versionID="230209e1f19c8dabcbde64a66cd42759">
   <xsd:schema xmlns:xsd="http://www.w3.org/2001/XMLSchema" xmlns:xs="http://www.w3.org/2001/XMLSchema" xmlns:p="http://schemas.microsoft.com/office/2006/metadata/properties" xmlns:ns2="0e23858f-3dcf-44e3-9897-9cfaf4025768" targetNamespace="http://schemas.microsoft.com/office/2006/metadata/properties" ma:root="true" ma:fieldsID="42966af423c5044f6c0d5a97827c01c9" ns2:_="">
     <xsd:import namespace="0e23858f-3dcf-44e3-9897-9cfaf4025768"/>
@@ -19967,10 +20138,35 @@
 </ct:contentTypeSchema>
 </file>
 
+<file path=customXml/item2.xml><?xml version="1.0" encoding="utf-8"?>
+<p:properties xmlns:p="http://schemas.microsoft.com/office/2006/metadata/properties" xmlns:xsi="http://www.w3.org/2001/XMLSchema-instance" xmlns:pc="http://schemas.microsoft.com/office/infopath/2007/PartnerControls">
+  <documentManagement/>
+</p:properties>
+</file>
+
+<file path=customXml/item3.xml><?xml version="1.0" encoding="utf-8"?>
+<?mso-contentType ?>
+<FormTemplates xmlns="http://schemas.microsoft.com/sharepoint/v3/contenttype/forms">
+  <Display>DocumentLibraryForm</Display>
+  <Edit>DocumentLibraryForm</Edit>
+  <New>DocumentLibraryForm</New>
+</FormTemplates>
+</file>
+
 <file path=customXml/itemProps1.xml><?xml version="1.0" encoding="utf-8"?>
-<ds:datastoreItem xmlns:ds="http://schemas.openxmlformats.org/officeDocument/2006/customXml" ds:itemID="{AFA05530-0BA0-4DF2-8D28-826EE07CF1E1}">
+<ds:datastoreItem xmlns:ds="http://schemas.openxmlformats.org/officeDocument/2006/customXml" ds:itemID="{1F0583A3-A68A-45E6-9C61-04A6E758B3D3}">
   <ds:schemaRefs>
-    <ds:schemaRef ds:uri="http://schemas.microsoft.com/sharepoint/v3/contenttype/forms"/>
+    <ds:schemaRef ds:uri="http://schemas.microsoft.com/office/2006/metadata/contentType"/>
+    <ds:schemaRef ds:uri="http://schemas.microsoft.com/office/2006/metadata/properties/metaAttributes"/>
+    <ds:schemaRef ds:uri="http://www.w3.org/2001/XMLSchema"/>
+    <ds:schemaRef ds:uri="http://schemas.microsoft.com/office/2006/metadata/properties"/>
+    <ds:schemaRef ds:uri="0e23858f-3dcf-44e3-9897-9cfaf4025768"/>
+    <ds:schemaRef ds:uri="http://schemas.microsoft.com/office/2006/documentManagement/types"/>
+    <ds:schemaRef ds:uri="http://schemas.microsoft.com/office/infopath/2007/PartnerControls"/>
+    <ds:schemaRef ds:uri="http://schemas.openxmlformats.org/package/2006/metadata/core-properties"/>
+    <ds:schemaRef ds:uri="http://purl.org/dc/elements/1.1/"/>
+    <ds:schemaRef ds:uri="http://purl.org/dc/terms/"/>
+    <ds:schemaRef ds:uri="http://schemas.microsoft.com/internal/obd"/>
   </ds:schemaRefs>
 </ds:datastoreItem>
 </file>
@@ -19992,19 +20188,9 @@
 </file>
 
 <file path=customXml/itemProps3.xml><?xml version="1.0" encoding="utf-8"?>
-<ds:datastoreItem xmlns:ds="http://schemas.openxmlformats.org/officeDocument/2006/customXml" ds:itemID="{1F0583A3-A68A-45E6-9C61-04A6E758B3D3}">
+<ds:datastoreItem xmlns:ds="http://schemas.openxmlformats.org/officeDocument/2006/customXml" ds:itemID="{AFA05530-0BA0-4DF2-8D28-826EE07CF1E1}">
   <ds:schemaRefs>
-    <ds:schemaRef ds:uri="http://schemas.microsoft.com/office/2006/metadata/contentType"/>
-    <ds:schemaRef ds:uri="http://schemas.microsoft.com/office/2006/metadata/properties/metaAttributes"/>
-    <ds:schemaRef ds:uri="http://www.w3.org/2001/XMLSchema"/>
-    <ds:schemaRef ds:uri="http://schemas.microsoft.com/office/2006/metadata/properties"/>
-    <ds:schemaRef ds:uri="0e23858f-3dcf-44e3-9897-9cfaf4025768"/>
-    <ds:schemaRef ds:uri="http://schemas.microsoft.com/office/2006/documentManagement/types"/>
-    <ds:schemaRef ds:uri="http://schemas.microsoft.com/office/infopath/2007/PartnerControls"/>
-    <ds:schemaRef ds:uri="http://schemas.openxmlformats.org/package/2006/metadata/core-properties"/>
-    <ds:schemaRef ds:uri="http://purl.org/dc/elements/1.1/"/>
-    <ds:schemaRef ds:uri="http://purl.org/dc/terms/"/>
-    <ds:schemaRef ds:uri="http://schemas.microsoft.com/internal/obd"/>
+    <ds:schemaRef ds:uri="http://schemas.microsoft.com/sharepoint/v3/contenttype/forms"/>
   </ds:schemaRefs>
 </ds:datastoreItem>
 </file>